--- a/Paper/Github/graphs.pptx
+++ b/Paper/Github/graphs.pptx
@@ -6,6 +6,7 @@
   </p:sldMasterIdLst>
   <p:sldIdLst>
     <p:sldId id="256" r:id="rId2"/>
+    <p:sldId id="257" r:id="rId3"/>
   </p:sldIdLst>
   <p:sldSz cx="15087600" cy="10698163"/>
   <p:notesSz cx="6858000" cy="9144000"/>
@@ -3124,8 +3125,8 @@
         </p:nvGrpSpPr>
         <p:grpSpPr>
           <a:xfrm>
-            <a:off x="1981200" y="2986881"/>
-            <a:ext cx="11258549" cy="4591050"/>
+            <a:off x="1981201" y="3901281"/>
+            <a:ext cx="6705599" cy="4343400"/>
             <a:chOff x="1914525" y="3053556"/>
             <a:chExt cx="11258549" cy="4591050"/>
           </a:xfrm>
@@ -5293,6 +5294,5524 @@
             <a:lstStyle/>
             <a:p>
               <a:endParaRPr/>
+            </a:p>
+          </p:txBody>
+        </p:sp>
+      </p:grpSp>
+    </p:spTree>
+  </p:cSld>
+  <p:clrMapOvr>
+    <a:masterClrMapping/>
+  </p:clrMapOvr>
+</p:sld>
+</file>
+
+<file path=ppt/slides/slide2.xml><?xml version="1.0" encoding="utf-8"?>
+<p:sld xmlns:a="http://schemas.openxmlformats.org/drawingml/2006/main" xmlns:r="http://schemas.openxmlformats.org/officeDocument/2006/relationships" xmlns:p="http://schemas.openxmlformats.org/presentationml/2006/main">
+  <p:cSld>
+    <p:spTree>
+      <p:nvGrpSpPr>
+        <p:cNvPr id="1" name=""/>
+        <p:cNvGrpSpPr/>
+        <p:nvPr/>
+      </p:nvGrpSpPr>
+      <p:grpSpPr>
+        <a:xfrm>
+          <a:off x="0" y="0"/>
+          <a:ext cx="0" cy="0"/>
+          <a:chOff x="0" y="0"/>
+          <a:chExt cx="0" cy="0"/>
+        </a:xfrm>
+      </p:grpSpPr>
+      <p:grpSp>
+        <p:nvGrpSpPr>
+          <p:cNvPr id="2" name="grp1"/>
+          <p:cNvGrpSpPr/>
+          <p:nvPr/>
+        </p:nvGrpSpPr>
+        <p:grpSpPr>
+          <a:xfrm>
+            <a:off x="1914525" y="3748880"/>
+            <a:ext cx="7839075" cy="4648201"/>
+            <a:chOff x="1914525" y="3053556"/>
+            <a:chExt cx="11258549" cy="4591050"/>
+          </a:xfrm>
+        </p:grpSpPr>
+        <p:sp>
+          <p:nvSpPr>
+            <p:cNvPr id="3" name="rc3"/>
+            <p:cNvSpPr/>
+            <p:nvPr/>
+          </p:nvSpPr>
+          <p:spPr>
+            <a:xfrm>
+              <a:off x="1914525" y="3053556"/>
+              <a:ext cx="11258550" cy="4591050"/>
+            </a:xfrm>
+            <a:prstGeom prst="rect">
+              <a:avLst/>
+            </a:prstGeom>
+            <a:solidFill>
+              <a:srgbClr val="FFFFFF">
+                <a:alpha val="100000"/>
+              </a:srgbClr>
+            </a:solidFill>
+            <a:ln w="9525" cap="rnd">
+              <a:solidFill>
+                <a:srgbClr val="FFFFFF">
+                  <a:alpha val="100000"/>
+                </a:srgbClr>
+              </a:solidFill>
+              <a:prstDash val="solid"/>
+              <a:round/>
+            </a:ln>
+          </p:spPr>
+          <p:txBody>
+            <a:bodyPr/>
+            <a:lstStyle/>
+            <a:p>
+              <a:endParaRPr/>
+            </a:p>
+          </p:txBody>
+        </p:sp>
+        <p:sp>
+          <p:nvSpPr>
+            <p:cNvPr id="4" name="pl4"/>
+            <p:cNvSpPr/>
+            <p:nvPr/>
+          </p:nvSpPr>
+          <p:spPr>
+            <a:xfrm>
+              <a:off x="3068626" y="4414893"/>
+              <a:ext cx="434797" cy="1285155"/>
+            </a:xfrm>
+            <a:custGeom>
+              <a:avLst/>
+              <a:gdLst/>
+              <a:ahLst/>
+              <a:cxnLst/>
+              <a:rect l="0" t="0" r="0" b="0"/>
+              <a:pathLst>
+                <a:path w="434797" h="1285155">
+                  <a:moveTo>
+                    <a:pt x="0" y="1285155"/>
+                  </a:moveTo>
+                  <a:lnTo>
+                    <a:pt x="434797" y="0"/>
+                  </a:lnTo>
+                </a:path>
+              </a:pathLst>
+            </a:custGeom>
+            <a:ln w="9525" cap="rnd">
+              <a:solidFill>
+                <a:srgbClr val="000000">
+                  <a:alpha val="100000"/>
+                </a:srgbClr>
+              </a:solidFill>
+              <a:prstDash val="solid"/>
+              <a:round/>
+            </a:ln>
+          </p:spPr>
+          <p:txBody>
+            <a:bodyPr/>
+            <a:lstStyle/>
+            <a:p>
+              <a:endParaRPr/>
+            </a:p>
+          </p:txBody>
+        </p:sp>
+        <p:sp>
+          <p:nvSpPr>
+            <p:cNvPr id="5" name="pl5"/>
+            <p:cNvSpPr/>
+            <p:nvPr/>
+          </p:nvSpPr>
+          <p:spPr>
+            <a:xfrm>
+              <a:off x="3587469" y="4401519"/>
+              <a:ext cx="383922" cy="513684"/>
+            </a:xfrm>
+            <a:custGeom>
+              <a:avLst/>
+              <a:gdLst/>
+              <a:ahLst/>
+              <a:cxnLst/>
+              <a:rect l="0" t="0" r="0" b="0"/>
+              <a:pathLst>
+                <a:path w="383922" h="513684">
+                  <a:moveTo>
+                    <a:pt x="0" y="0"/>
+                  </a:moveTo>
+                  <a:lnTo>
+                    <a:pt x="383922" y="513684"/>
+                  </a:lnTo>
+                </a:path>
+              </a:pathLst>
+            </a:custGeom>
+            <a:ln w="9525" cap="rnd">
+              <a:solidFill>
+                <a:srgbClr val="000000">
+                  <a:alpha val="100000"/>
+                </a:srgbClr>
+              </a:solidFill>
+              <a:prstDash val="solid"/>
+              <a:round/>
+            </a:ln>
+          </p:spPr>
+          <p:txBody>
+            <a:bodyPr/>
+            <a:lstStyle/>
+            <a:p>
+              <a:endParaRPr/>
+            </a:p>
+          </p:txBody>
+        </p:sp>
+        <p:sp>
+          <p:nvSpPr>
+            <p:cNvPr id="6" name="pl6"/>
+            <p:cNvSpPr/>
+            <p:nvPr/>
+          </p:nvSpPr>
+          <p:spPr>
+            <a:xfrm>
+              <a:off x="4084826" y="4469117"/>
+              <a:ext cx="376020" cy="449213"/>
+            </a:xfrm>
+            <a:custGeom>
+              <a:avLst/>
+              <a:gdLst/>
+              <a:ahLst/>
+              <a:cxnLst/>
+              <a:rect l="0" t="0" r="0" b="0"/>
+              <a:pathLst>
+                <a:path w="376020" h="449213">
+                  <a:moveTo>
+                    <a:pt x="0" y="449213"/>
+                  </a:moveTo>
+                  <a:lnTo>
+                    <a:pt x="376020" y="0"/>
+                  </a:lnTo>
+                </a:path>
+              </a:pathLst>
+            </a:custGeom>
+            <a:ln w="9525" cap="rnd">
+              <a:solidFill>
+                <a:srgbClr val="000000">
+                  <a:alpha val="100000"/>
+                </a:srgbClr>
+              </a:solidFill>
+              <a:prstDash val="solid"/>
+              <a:round/>
+            </a:ln>
+          </p:spPr>
+          <p:txBody>
+            <a:bodyPr/>
+            <a:lstStyle/>
+            <a:p>
+              <a:endParaRPr/>
+            </a:p>
+          </p:txBody>
+        </p:sp>
+        <p:sp>
+          <p:nvSpPr>
+            <p:cNvPr id="7" name="pl7"/>
+            <p:cNvSpPr/>
+            <p:nvPr/>
+          </p:nvSpPr>
+          <p:spPr>
+            <a:xfrm>
+              <a:off x="4549620" y="4485350"/>
+              <a:ext cx="433245" cy="1243708"/>
+            </a:xfrm>
+            <a:custGeom>
+              <a:avLst/>
+              <a:gdLst/>
+              <a:ahLst/>
+              <a:cxnLst/>
+              <a:rect l="0" t="0" r="0" b="0"/>
+              <a:pathLst>
+                <a:path w="433245" h="1243708">
+                  <a:moveTo>
+                    <a:pt x="0" y="0"/>
+                  </a:moveTo>
+                  <a:lnTo>
+                    <a:pt x="433245" y="1243708"/>
+                  </a:lnTo>
+                </a:path>
+              </a:pathLst>
+            </a:custGeom>
+            <a:ln w="9525" cap="rnd">
+              <a:solidFill>
+                <a:srgbClr val="000000">
+                  <a:alpha val="100000"/>
+                </a:srgbClr>
+              </a:solidFill>
+              <a:prstDash val="solid"/>
+              <a:round/>
+            </a:ln>
+          </p:spPr>
+          <p:txBody>
+            <a:bodyPr/>
+            <a:lstStyle/>
+            <a:p>
+              <a:endParaRPr/>
+            </a:p>
+          </p:txBody>
+        </p:sp>
+        <p:sp>
+          <p:nvSpPr>
+            <p:cNvPr id="8" name="pl8"/>
+            <p:cNvSpPr/>
+            <p:nvPr/>
+          </p:nvSpPr>
+          <p:spPr>
+            <a:xfrm>
+              <a:off x="5082421" y="5874861"/>
+              <a:ext cx="354456" cy="303319"/>
+            </a:xfrm>
+            <a:custGeom>
+              <a:avLst/>
+              <a:gdLst/>
+              <a:ahLst/>
+              <a:cxnLst/>
+              <a:rect l="0" t="0" r="0" b="0"/>
+              <a:pathLst>
+                <a:path w="354456" h="303319">
+                  <a:moveTo>
+                    <a:pt x="0" y="0"/>
+                  </a:moveTo>
+                  <a:lnTo>
+                    <a:pt x="354456" y="303319"/>
+                  </a:lnTo>
+                </a:path>
+              </a:pathLst>
+            </a:custGeom>
+            <a:ln w="9525" cap="rnd">
+              <a:solidFill>
+                <a:srgbClr val="000000">
+                  <a:alpha val="100000"/>
+                </a:srgbClr>
+              </a:solidFill>
+              <a:prstDash val="solid"/>
+              <a:round/>
+            </a:ln>
+          </p:spPr>
+          <p:txBody>
+            <a:bodyPr/>
+            <a:lstStyle/>
+            <a:p>
+              <a:endParaRPr/>
+            </a:p>
+          </p:txBody>
+        </p:sp>
+        <p:sp>
+          <p:nvSpPr>
+            <p:cNvPr id="9" name="pl9"/>
+            <p:cNvSpPr/>
+            <p:nvPr/>
+          </p:nvSpPr>
+          <p:spPr>
+            <a:xfrm>
+              <a:off x="5527618" y="4263180"/>
+              <a:ext cx="450874" cy="1885519"/>
+            </a:xfrm>
+            <a:custGeom>
+              <a:avLst/>
+              <a:gdLst/>
+              <a:ahLst/>
+              <a:cxnLst/>
+              <a:rect l="0" t="0" r="0" b="0"/>
+              <a:pathLst>
+                <a:path w="450874" h="1885519">
+                  <a:moveTo>
+                    <a:pt x="0" y="1885519"/>
+                  </a:moveTo>
+                  <a:lnTo>
+                    <a:pt x="450874" y="0"/>
+                  </a:lnTo>
+                </a:path>
+              </a:pathLst>
+            </a:custGeom>
+            <a:ln w="9525" cap="rnd">
+              <a:solidFill>
+                <a:srgbClr val="000000">
+                  <a:alpha val="100000"/>
+                </a:srgbClr>
+              </a:solidFill>
+              <a:prstDash val="solid"/>
+              <a:round/>
+            </a:ln>
+          </p:spPr>
+          <p:txBody>
+            <a:bodyPr/>
+            <a:lstStyle/>
+            <a:p>
+              <a:endParaRPr/>
+            </a:p>
+          </p:txBody>
+        </p:sp>
+        <p:sp>
+          <p:nvSpPr>
+            <p:cNvPr id="10" name="pl10"/>
+            <p:cNvSpPr/>
+            <p:nvPr/>
+          </p:nvSpPr>
+          <p:spPr>
+            <a:xfrm>
+              <a:off x="6017954" y="4263859"/>
+              <a:ext cx="457014" cy="2250723"/>
+            </a:xfrm>
+            <a:custGeom>
+              <a:avLst/>
+              <a:gdLst/>
+              <a:ahLst/>
+              <a:cxnLst/>
+              <a:rect l="0" t="0" r="0" b="0"/>
+              <a:pathLst>
+                <a:path w="457014" h="2250723">
+                  <a:moveTo>
+                    <a:pt x="0" y="0"/>
+                  </a:moveTo>
+                  <a:lnTo>
+                    <a:pt x="457014" y="2250723"/>
+                  </a:lnTo>
+                </a:path>
+              </a:pathLst>
+            </a:custGeom>
+            <a:ln w="9525" cap="rnd">
+              <a:solidFill>
+                <a:srgbClr val="000000">
+                  <a:alpha val="100000"/>
+                </a:srgbClr>
+              </a:solidFill>
+              <a:prstDash val="solid"/>
+              <a:round/>
+            </a:ln>
+          </p:spPr>
+          <p:txBody>
+            <a:bodyPr/>
+            <a:lstStyle/>
+            <a:p>
+              <a:endParaRPr/>
+            </a:p>
+          </p:txBody>
+        </p:sp>
+        <p:sp>
+          <p:nvSpPr>
+            <p:cNvPr id="11" name="pl11"/>
+            <p:cNvSpPr/>
+            <p:nvPr/>
+          </p:nvSpPr>
+          <p:spPr>
+            <a:xfrm>
+              <a:off x="6520932" y="5143270"/>
+              <a:ext cx="437869" cy="1373802"/>
+            </a:xfrm>
+            <a:custGeom>
+              <a:avLst/>
+              <a:gdLst/>
+              <a:ahLst/>
+              <a:cxnLst/>
+              <a:rect l="0" t="0" r="0" b="0"/>
+              <a:pathLst>
+                <a:path w="437869" h="1373802">
+                  <a:moveTo>
+                    <a:pt x="0" y="1373802"/>
+                  </a:moveTo>
+                  <a:lnTo>
+                    <a:pt x="437869" y="0"/>
+                  </a:lnTo>
+                </a:path>
+              </a:pathLst>
+            </a:custGeom>
+            <a:ln w="9525" cap="rnd">
+              <a:solidFill>
+                <a:srgbClr val="000000">
+                  <a:alpha val="100000"/>
+                </a:srgbClr>
+              </a:solidFill>
+              <a:prstDash val="solid"/>
+              <a:round/>
+            </a:ln>
+          </p:spPr>
+          <p:txBody>
+            <a:bodyPr/>
+            <a:lstStyle/>
+            <a:p>
+              <a:endParaRPr/>
+            </a:p>
+          </p:txBody>
+        </p:sp>
+        <p:sp>
+          <p:nvSpPr>
+            <p:cNvPr id="12" name="pl12"/>
+            <p:cNvSpPr/>
+            <p:nvPr/>
+          </p:nvSpPr>
+          <p:spPr>
+            <a:xfrm>
+              <a:off x="7024000" y="4039812"/>
+              <a:ext cx="418546" cy="932907"/>
+            </a:xfrm>
+            <a:custGeom>
+              <a:avLst/>
+              <a:gdLst/>
+              <a:ahLst/>
+              <a:cxnLst/>
+              <a:rect l="0" t="0" r="0" b="0"/>
+              <a:pathLst>
+                <a:path w="418546" h="932907">
+                  <a:moveTo>
+                    <a:pt x="0" y="932907"/>
+                  </a:moveTo>
+                  <a:lnTo>
+                    <a:pt x="418546" y="0"/>
+                  </a:lnTo>
+                </a:path>
+              </a:pathLst>
+            </a:custGeom>
+            <a:ln w="9525" cap="rnd">
+              <a:solidFill>
+                <a:srgbClr val="000000">
+                  <a:alpha val="100000"/>
+                </a:srgbClr>
+              </a:solidFill>
+              <a:prstDash val="solid"/>
+              <a:round/>
+            </a:ln>
+          </p:spPr>
+          <p:txBody>
+            <a:bodyPr/>
+            <a:lstStyle/>
+            <a:p>
+              <a:endParaRPr/>
+            </a:p>
+          </p:txBody>
+        </p:sp>
+        <p:sp>
+          <p:nvSpPr>
+            <p:cNvPr id="13" name="pl13"/>
+            <p:cNvSpPr/>
+            <p:nvPr/>
+          </p:nvSpPr>
+          <p:spPr>
+            <a:xfrm>
+              <a:off x="7502651" y="4044968"/>
+              <a:ext cx="448057" cy="1750482"/>
+            </a:xfrm>
+            <a:custGeom>
+              <a:avLst/>
+              <a:gdLst/>
+              <a:ahLst/>
+              <a:cxnLst/>
+              <a:rect l="0" t="0" r="0" b="0"/>
+              <a:pathLst>
+                <a:path w="448057" h="1750482">
+                  <a:moveTo>
+                    <a:pt x="0" y="0"/>
+                  </a:moveTo>
+                  <a:lnTo>
+                    <a:pt x="448057" y="1750482"/>
+                  </a:lnTo>
+                </a:path>
+              </a:pathLst>
+            </a:custGeom>
+            <a:ln w="9525" cap="rnd">
+              <a:solidFill>
+                <a:srgbClr val="000000">
+                  <a:alpha val="100000"/>
+                </a:srgbClr>
+              </a:solidFill>
+              <a:prstDash val="solid"/>
+              <a:round/>
+            </a:ln>
+          </p:spPr>
+          <p:txBody>
+            <a:bodyPr/>
+            <a:lstStyle/>
+            <a:p>
+              <a:endParaRPr/>
+            </a:p>
+          </p:txBody>
+        </p:sp>
+        <p:sp>
+          <p:nvSpPr>
+            <p:cNvPr id="14" name="pl14"/>
+            <p:cNvSpPr/>
+            <p:nvPr/>
+          </p:nvSpPr>
+          <p:spPr>
+            <a:xfrm>
+              <a:off x="7995567" y="3999796"/>
+              <a:ext cx="449036" cy="1795530"/>
+            </a:xfrm>
+            <a:custGeom>
+              <a:avLst/>
+              <a:gdLst/>
+              <a:ahLst/>
+              <a:cxnLst/>
+              <a:rect l="0" t="0" r="0" b="0"/>
+              <a:pathLst>
+                <a:path w="449036" h="1795530">
+                  <a:moveTo>
+                    <a:pt x="0" y="1795530"/>
+                  </a:moveTo>
+                  <a:lnTo>
+                    <a:pt x="449036" y="0"/>
+                  </a:lnTo>
+                </a:path>
+              </a:pathLst>
+            </a:custGeom>
+            <a:ln w="9525" cap="rnd">
+              <a:solidFill>
+                <a:srgbClr val="000000">
+                  <a:alpha val="100000"/>
+                </a:srgbClr>
+              </a:solidFill>
+              <a:prstDash val="solid"/>
+              <a:round/>
+            </a:ln>
+          </p:spPr>
+          <p:txBody>
+            <a:bodyPr/>
+            <a:lstStyle/>
+            <a:p>
+              <a:endParaRPr/>
+            </a:p>
+          </p:txBody>
+        </p:sp>
+        <p:sp>
+          <p:nvSpPr>
+            <p:cNvPr id="15" name="pl15"/>
+            <p:cNvSpPr/>
+            <p:nvPr/>
+          </p:nvSpPr>
+          <p:spPr>
+            <a:xfrm>
+              <a:off x="8483722" y="4000947"/>
+              <a:ext cx="459539" cy="2438573"/>
+            </a:xfrm>
+            <a:custGeom>
+              <a:avLst/>
+              <a:gdLst/>
+              <a:ahLst/>
+              <a:cxnLst/>
+              <a:rect l="0" t="0" r="0" b="0"/>
+              <a:pathLst>
+                <a:path w="459539" h="2438573">
+                  <a:moveTo>
+                    <a:pt x="0" y="0"/>
+                  </a:moveTo>
+                  <a:lnTo>
+                    <a:pt x="459539" y="2438573"/>
+                  </a:lnTo>
+                </a:path>
+              </a:pathLst>
+            </a:custGeom>
+            <a:ln w="9525" cap="rnd">
+              <a:solidFill>
+                <a:srgbClr val="000000">
+                  <a:alpha val="100000"/>
+                </a:srgbClr>
+              </a:solidFill>
+              <a:prstDash val="solid"/>
+              <a:round/>
+            </a:ln>
+          </p:spPr>
+          <p:txBody>
+            <a:bodyPr/>
+            <a:lstStyle/>
+            <a:p>
+              <a:endParaRPr/>
+            </a:p>
+          </p:txBody>
+        </p:sp>
+        <p:sp>
+          <p:nvSpPr>
+            <p:cNvPr id="16" name="pl16"/>
+            <p:cNvSpPr/>
+            <p:nvPr/>
+          </p:nvSpPr>
+          <p:spPr>
+            <a:xfrm>
+              <a:off x="9017451" y="5986279"/>
+              <a:ext cx="378894" cy="471804"/>
+            </a:xfrm>
+            <a:custGeom>
+              <a:avLst/>
+              <a:gdLst/>
+              <a:ahLst/>
+              <a:cxnLst/>
+              <a:rect l="0" t="0" r="0" b="0"/>
+              <a:pathLst>
+                <a:path w="378894" h="471804">
+                  <a:moveTo>
+                    <a:pt x="0" y="471804"/>
+                  </a:moveTo>
+                  <a:lnTo>
+                    <a:pt x="378894" y="0"/>
+                  </a:lnTo>
+                </a:path>
+              </a:pathLst>
+            </a:custGeom>
+            <a:ln w="9525" cap="rnd">
+              <a:solidFill>
+                <a:srgbClr val="000000">
+                  <a:alpha val="100000"/>
+                </a:srgbClr>
+              </a:solidFill>
+              <a:prstDash val="solid"/>
+              <a:round/>
+            </a:ln>
+          </p:spPr>
+          <p:txBody>
+            <a:bodyPr/>
+            <a:lstStyle/>
+            <a:p>
+              <a:endParaRPr/>
+            </a:p>
+          </p:txBody>
+        </p:sp>
+        <p:sp>
+          <p:nvSpPr>
+            <p:cNvPr id="17" name="pl17"/>
+            <p:cNvSpPr/>
+            <p:nvPr/>
+          </p:nvSpPr>
+          <p:spPr>
+            <a:xfrm>
+              <a:off x="9545036" y="5910678"/>
+              <a:ext cx="310536" cy="3326"/>
+            </a:xfrm>
+            <a:custGeom>
+              <a:avLst/>
+              <a:gdLst/>
+              <a:ahLst/>
+              <a:cxnLst/>
+              <a:rect l="0" t="0" r="0" b="0"/>
+              <a:pathLst>
+                <a:path w="310536" h="3326">
+                  <a:moveTo>
+                    <a:pt x="0" y="3326"/>
+                  </a:moveTo>
+                  <a:lnTo>
+                    <a:pt x="310536" y="0"/>
+                  </a:lnTo>
+                </a:path>
+              </a:pathLst>
+            </a:custGeom>
+            <a:ln w="9525" cap="rnd">
+              <a:solidFill>
+                <a:srgbClr val="000000">
+                  <a:alpha val="100000"/>
+                </a:srgbClr>
+              </a:solidFill>
+              <a:prstDash val="solid"/>
+              <a:round/>
+            </a:ln>
+          </p:spPr>
+          <p:txBody>
+            <a:bodyPr/>
+            <a:lstStyle/>
+            <a:p>
+              <a:endParaRPr/>
+            </a:p>
+          </p:txBody>
+        </p:sp>
+        <p:sp>
+          <p:nvSpPr>
+            <p:cNvPr id="18" name="pl18"/>
+            <p:cNvSpPr/>
+            <p:nvPr/>
+          </p:nvSpPr>
+          <p:spPr>
+            <a:xfrm>
+              <a:off x="9969992" y="4098331"/>
+              <a:ext cx="447436" cy="1722863"/>
+            </a:xfrm>
+            <a:custGeom>
+              <a:avLst/>
+              <a:gdLst/>
+              <a:ahLst/>
+              <a:cxnLst/>
+              <a:rect l="0" t="0" r="0" b="0"/>
+              <a:pathLst>
+                <a:path w="447436" h="1722863">
+                  <a:moveTo>
+                    <a:pt x="0" y="1722863"/>
+                  </a:moveTo>
+                  <a:lnTo>
+                    <a:pt x="447436" y="0"/>
+                  </a:lnTo>
+                </a:path>
+              </a:pathLst>
+            </a:custGeom>
+            <a:ln w="9525" cap="rnd">
+              <a:solidFill>
+                <a:srgbClr val="000000">
+                  <a:alpha val="100000"/>
+                </a:srgbClr>
+              </a:solidFill>
+              <a:prstDash val="solid"/>
+              <a:round/>
+            </a:ln>
+          </p:spPr>
+          <p:txBody>
+            <a:bodyPr/>
+            <a:lstStyle/>
+            <a:p>
+              <a:endParaRPr/>
+            </a:p>
+          </p:txBody>
+        </p:sp>
+        <p:sp>
+          <p:nvSpPr>
+            <p:cNvPr id="19" name="pl19"/>
+            <p:cNvSpPr/>
+            <p:nvPr/>
+          </p:nvSpPr>
+          <p:spPr>
+            <a:xfrm>
+              <a:off x="10530471" y="3938897"/>
+              <a:ext cx="313289" cy="55092"/>
+            </a:xfrm>
+            <a:custGeom>
+              <a:avLst/>
+              <a:gdLst/>
+              <a:ahLst/>
+              <a:cxnLst/>
+              <a:rect l="0" t="0" r="0" b="0"/>
+              <a:pathLst>
+                <a:path w="313289" h="55092">
+                  <a:moveTo>
+                    <a:pt x="0" y="55092"/>
+                  </a:moveTo>
+                  <a:lnTo>
+                    <a:pt x="313289" y="0"/>
+                  </a:lnTo>
+                </a:path>
+              </a:pathLst>
+            </a:custGeom>
+            <a:ln w="9525" cap="rnd">
+              <a:solidFill>
+                <a:srgbClr val="000000">
+                  <a:alpha val="100000"/>
+                </a:srgbClr>
+              </a:solidFill>
+              <a:prstDash val="solid"/>
+              <a:round/>
+            </a:ln>
+          </p:spPr>
+          <p:txBody>
+            <a:bodyPr/>
+            <a:lstStyle/>
+            <a:p>
+              <a:endParaRPr/>
+            </a:p>
+          </p:txBody>
+        </p:sp>
+        <p:sp>
+          <p:nvSpPr>
+            <p:cNvPr id="20" name="pl20"/>
+            <p:cNvSpPr/>
+            <p:nvPr/>
+          </p:nvSpPr>
+          <p:spPr>
+            <a:xfrm>
+              <a:off x="10987681" y="3996954"/>
+              <a:ext cx="385683" cy="529130"/>
+            </a:xfrm>
+            <a:custGeom>
+              <a:avLst/>
+              <a:gdLst/>
+              <a:ahLst/>
+              <a:cxnLst/>
+              <a:rect l="0" t="0" r="0" b="0"/>
+              <a:pathLst>
+                <a:path w="385683" h="529130">
+                  <a:moveTo>
+                    <a:pt x="0" y="0"/>
+                  </a:moveTo>
+                  <a:lnTo>
+                    <a:pt x="385683" y="529130"/>
+                  </a:lnTo>
+                </a:path>
+              </a:pathLst>
+            </a:custGeom>
+            <a:ln w="9525" cap="rnd">
+              <a:solidFill>
+                <a:srgbClr val="000000">
+                  <a:alpha val="100000"/>
+                </a:srgbClr>
+              </a:solidFill>
+              <a:prstDash val="solid"/>
+              <a:round/>
+            </a:ln>
+          </p:spPr>
+          <p:txBody>
+            <a:bodyPr/>
+            <a:lstStyle/>
+            <a:p>
+              <a:endParaRPr/>
+            </a:p>
+          </p:txBody>
+        </p:sp>
+        <p:sp>
+          <p:nvSpPr>
+            <p:cNvPr id="21" name="pl21"/>
+            <p:cNvSpPr/>
+            <p:nvPr/>
+          </p:nvSpPr>
+          <p:spPr>
+            <a:xfrm>
+              <a:off x="11461184" y="4684878"/>
+              <a:ext cx="425488" cy="1063768"/>
+            </a:xfrm>
+            <a:custGeom>
+              <a:avLst/>
+              <a:gdLst/>
+              <a:ahLst/>
+              <a:cxnLst/>
+              <a:rect l="0" t="0" r="0" b="0"/>
+              <a:pathLst>
+                <a:path w="425488" h="1063768">
+                  <a:moveTo>
+                    <a:pt x="0" y="0"/>
+                  </a:moveTo>
+                  <a:lnTo>
+                    <a:pt x="425488" y="1063768"/>
+                  </a:lnTo>
+                </a:path>
+              </a:pathLst>
+            </a:custGeom>
+            <a:ln w="9525" cap="rnd">
+              <a:solidFill>
+                <a:srgbClr val="000000">
+                  <a:alpha val="100000"/>
+                </a:srgbClr>
+              </a:solidFill>
+              <a:prstDash val="solid"/>
+              <a:round/>
+            </a:ln>
+          </p:spPr>
+          <p:txBody>
+            <a:bodyPr/>
+            <a:lstStyle/>
+            <a:p>
+              <a:endParaRPr/>
+            </a:p>
+          </p:txBody>
+        </p:sp>
+        <p:sp>
+          <p:nvSpPr>
+            <p:cNvPr id="22" name="pl22"/>
+            <p:cNvSpPr/>
+            <p:nvPr/>
+          </p:nvSpPr>
+          <p:spPr>
+            <a:xfrm>
+              <a:off x="11996260" y="5549630"/>
+              <a:ext cx="342148" cy="232520"/>
+            </a:xfrm>
+            <a:custGeom>
+              <a:avLst/>
+              <a:gdLst/>
+              <a:ahLst/>
+              <a:cxnLst/>
+              <a:rect l="0" t="0" r="0" b="0"/>
+              <a:pathLst>
+                <a:path w="342148" h="232520">
+                  <a:moveTo>
+                    <a:pt x="0" y="232520"/>
+                  </a:moveTo>
+                  <a:lnTo>
+                    <a:pt x="342148" y="0"/>
+                  </a:lnTo>
+                </a:path>
+              </a:pathLst>
+            </a:custGeom>
+            <a:ln w="9525" cap="rnd">
+              <a:solidFill>
+                <a:srgbClr val="000000">
+                  <a:alpha val="100000"/>
+                </a:srgbClr>
+              </a:solidFill>
+              <a:prstDash val="solid"/>
+              <a:round/>
+            </a:ln>
+          </p:spPr>
+          <p:txBody>
+            <a:bodyPr/>
+            <a:lstStyle/>
+            <a:p>
+              <a:endParaRPr/>
+            </a:p>
+          </p:txBody>
+        </p:sp>
+        <p:sp>
+          <p:nvSpPr>
+            <p:cNvPr id="23" name="pt23"/>
+            <p:cNvSpPr/>
+            <p:nvPr/>
+          </p:nvSpPr>
+          <p:spPr>
+            <a:xfrm>
+              <a:off x="3005031" y="5752376"/>
+              <a:ext cx="68580" cy="68580"/>
+            </a:xfrm>
+            <a:prstGeom prst="ellipse">
+              <a:avLst/>
+            </a:prstGeom>
+            <a:solidFill>
+              <a:srgbClr val="000000">
+                <a:alpha val="100000"/>
+              </a:srgbClr>
+            </a:solidFill>
+          </p:spPr>
+          <p:txBody>
+            <a:bodyPr/>
+            <a:lstStyle/>
+            <a:p>
+              <a:endParaRPr/>
+            </a:p>
+          </p:txBody>
+        </p:sp>
+        <p:sp>
+          <p:nvSpPr>
+            <p:cNvPr id="24" name="pt24"/>
+            <p:cNvSpPr/>
+            <p:nvPr/>
+          </p:nvSpPr>
+          <p:spPr>
+            <a:xfrm>
+              <a:off x="3498437" y="4293986"/>
+              <a:ext cx="68580" cy="68580"/>
+            </a:xfrm>
+            <a:prstGeom prst="ellipse">
+              <a:avLst/>
+            </a:prstGeom>
+            <a:solidFill>
+              <a:srgbClr val="000000">
+                <a:alpha val="100000"/>
+              </a:srgbClr>
+            </a:solidFill>
+          </p:spPr>
+          <p:txBody>
+            <a:bodyPr/>
+            <a:lstStyle/>
+            <a:p>
+              <a:endParaRPr/>
+            </a:p>
+          </p:txBody>
+        </p:sp>
+        <p:sp>
+          <p:nvSpPr>
+            <p:cNvPr id="25" name="pt25"/>
+            <p:cNvSpPr/>
+            <p:nvPr/>
+          </p:nvSpPr>
+          <p:spPr>
+            <a:xfrm>
+              <a:off x="3991843" y="4954158"/>
+              <a:ext cx="68580" cy="68580"/>
+            </a:xfrm>
+            <a:prstGeom prst="ellipse">
+              <a:avLst/>
+            </a:prstGeom>
+            <a:solidFill>
+              <a:srgbClr val="000000">
+                <a:alpha val="100000"/>
+              </a:srgbClr>
+            </a:solidFill>
+          </p:spPr>
+          <p:txBody>
+            <a:bodyPr/>
+            <a:lstStyle/>
+            <a:p>
+              <a:endParaRPr/>
+            </a:p>
+          </p:txBody>
+        </p:sp>
+        <p:sp>
+          <p:nvSpPr>
+            <p:cNvPr id="26" name="pt26"/>
+            <p:cNvSpPr/>
+            <p:nvPr/>
+          </p:nvSpPr>
+          <p:spPr>
+            <a:xfrm>
+              <a:off x="4485250" y="4364709"/>
+              <a:ext cx="68580" cy="68580"/>
+            </a:xfrm>
+            <a:prstGeom prst="ellipse">
+              <a:avLst/>
+            </a:prstGeom>
+            <a:solidFill>
+              <a:srgbClr val="000000">
+                <a:alpha val="100000"/>
+              </a:srgbClr>
+            </a:solidFill>
+          </p:spPr>
+          <p:txBody>
+            <a:bodyPr/>
+            <a:lstStyle/>
+            <a:p>
+              <a:endParaRPr/>
+            </a:p>
+          </p:txBody>
+        </p:sp>
+        <p:sp>
+          <p:nvSpPr>
+            <p:cNvPr id="27" name="pt27"/>
+            <p:cNvSpPr/>
+            <p:nvPr/>
+          </p:nvSpPr>
+          <p:spPr>
+            <a:xfrm>
+              <a:off x="4978656" y="5781119"/>
+              <a:ext cx="68580" cy="68580"/>
+            </a:xfrm>
+            <a:prstGeom prst="ellipse">
+              <a:avLst/>
+            </a:prstGeom>
+            <a:solidFill>
+              <a:srgbClr val="000000">
+                <a:alpha val="100000"/>
+              </a:srgbClr>
+            </a:solidFill>
+          </p:spPr>
+          <p:txBody>
+            <a:bodyPr/>
+            <a:lstStyle/>
+            <a:p>
+              <a:endParaRPr/>
+            </a:p>
+          </p:txBody>
+        </p:sp>
+        <p:sp>
+          <p:nvSpPr>
+            <p:cNvPr id="28" name="pt28"/>
+            <p:cNvSpPr/>
+            <p:nvPr/>
+          </p:nvSpPr>
+          <p:spPr>
+            <a:xfrm>
+              <a:off x="5472062" y="6203342"/>
+              <a:ext cx="68580" cy="68580"/>
+            </a:xfrm>
+            <a:prstGeom prst="ellipse">
+              <a:avLst/>
+            </a:prstGeom>
+            <a:solidFill>
+              <a:srgbClr val="000000">
+                <a:alpha val="100000"/>
+              </a:srgbClr>
+            </a:solidFill>
+          </p:spPr>
+          <p:txBody>
+            <a:bodyPr/>
+            <a:lstStyle/>
+            <a:p>
+              <a:endParaRPr/>
+            </a:p>
+          </p:txBody>
+        </p:sp>
+        <p:sp>
+          <p:nvSpPr>
+            <p:cNvPr id="29" name="pt29"/>
+            <p:cNvSpPr/>
+            <p:nvPr/>
+          </p:nvSpPr>
+          <p:spPr>
+            <a:xfrm>
+              <a:off x="5965468" y="4139957"/>
+              <a:ext cx="68580" cy="68580"/>
+            </a:xfrm>
+            <a:prstGeom prst="ellipse">
+              <a:avLst/>
+            </a:prstGeom>
+            <a:solidFill>
+              <a:srgbClr val="000000">
+                <a:alpha val="100000"/>
+              </a:srgbClr>
+            </a:solidFill>
+          </p:spPr>
+          <p:txBody>
+            <a:bodyPr/>
+            <a:lstStyle/>
+            <a:p>
+              <a:endParaRPr/>
+            </a:p>
+          </p:txBody>
+        </p:sp>
+        <p:sp>
+          <p:nvSpPr>
+            <p:cNvPr id="30" name="pt30"/>
+            <p:cNvSpPr/>
+            <p:nvPr/>
+          </p:nvSpPr>
+          <p:spPr>
+            <a:xfrm>
+              <a:off x="6458874" y="6569904"/>
+              <a:ext cx="68580" cy="68580"/>
+            </a:xfrm>
+            <a:prstGeom prst="ellipse">
+              <a:avLst/>
+            </a:prstGeom>
+            <a:solidFill>
+              <a:srgbClr val="000000">
+                <a:alpha val="100000"/>
+              </a:srgbClr>
+            </a:solidFill>
+          </p:spPr>
+          <p:txBody>
+            <a:bodyPr/>
+            <a:lstStyle/>
+            <a:p>
+              <a:endParaRPr/>
+            </a:p>
+          </p:txBody>
+        </p:sp>
+        <p:sp>
+          <p:nvSpPr>
+            <p:cNvPr id="31" name="pt31"/>
+            <p:cNvSpPr/>
+            <p:nvPr/>
+          </p:nvSpPr>
+          <p:spPr>
+            <a:xfrm>
+              <a:off x="6952280" y="5021858"/>
+              <a:ext cx="68580" cy="68580"/>
+            </a:xfrm>
+            <a:prstGeom prst="ellipse">
+              <a:avLst/>
+            </a:prstGeom>
+            <a:solidFill>
+              <a:srgbClr val="000000">
+                <a:alpha val="100000"/>
+              </a:srgbClr>
+            </a:solidFill>
+          </p:spPr>
+          <p:txBody>
+            <a:bodyPr/>
+            <a:lstStyle/>
+            <a:p>
+              <a:endParaRPr/>
+            </a:p>
+          </p:txBody>
+        </p:sp>
+        <p:sp>
+          <p:nvSpPr>
+            <p:cNvPr id="32" name="pt32"/>
+            <p:cNvSpPr/>
+            <p:nvPr/>
+          </p:nvSpPr>
+          <p:spPr>
+            <a:xfrm>
+              <a:off x="7445686" y="3922094"/>
+              <a:ext cx="68580" cy="68580"/>
+            </a:xfrm>
+            <a:prstGeom prst="ellipse">
+              <a:avLst/>
+            </a:prstGeom>
+            <a:solidFill>
+              <a:srgbClr val="000000">
+                <a:alpha val="100000"/>
+              </a:srgbClr>
+            </a:solidFill>
+          </p:spPr>
+          <p:txBody>
+            <a:bodyPr/>
+            <a:lstStyle/>
+            <a:p>
+              <a:endParaRPr/>
+            </a:p>
+          </p:txBody>
+        </p:sp>
+        <p:sp>
+          <p:nvSpPr>
+            <p:cNvPr id="33" name="pt33"/>
+            <p:cNvSpPr/>
+            <p:nvPr/>
+          </p:nvSpPr>
+          <p:spPr>
+            <a:xfrm>
+              <a:off x="7939093" y="5849745"/>
+              <a:ext cx="68580" cy="68580"/>
+            </a:xfrm>
+            <a:prstGeom prst="ellipse">
+              <a:avLst/>
+            </a:prstGeom>
+            <a:solidFill>
+              <a:srgbClr val="000000">
+                <a:alpha val="100000"/>
+              </a:srgbClr>
+            </a:solidFill>
+          </p:spPr>
+          <p:txBody>
+            <a:bodyPr/>
+            <a:lstStyle/>
+            <a:p>
+              <a:endParaRPr/>
+            </a:p>
+          </p:txBody>
+        </p:sp>
+        <p:sp>
+          <p:nvSpPr>
+            <p:cNvPr id="34" name="pt34"/>
+            <p:cNvSpPr/>
+            <p:nvPr/>
+          </p:nvSpPr>
+          <p:spPr>
+            <a:xfrm>
+              <a:off x="8432499" y="3876798"/>
+              <a:ext cx="68580" cy="68580"/>
+            </a:xfrm>
+            <a:prstGeom prst="ellipse">
+              <a:avLst/>
+            </a:prstGeom>
+            <a:solidFill>
+              <a:srgbClr val="000000">
+                <a:alpha val="100000"/>
+              </a:srgbClr>
+            </a:solidFill>
+          </p:spPr>
+          <p:txBody>
+            <a:bodyPr/>
+            <a:lstStyle/>
+            <a:p>
+              <a:endParaRPr/>
+            </a:p>
+          </p:txBody>
+        </p:sp>
+        <p:sp>
+          <p:nvSpPr>
+            <p:cNvPr id="35" name="pt35"/>
+            <p:cNvSpPr/>
+            <p:nvPr/>
+          </p:nvSpPr>
+          <p:spPr>
+            <a:xfrm>
+              <a:off x="8925905" y="6495089"/>
+              <a:ext cx="68580" cy="68580"/>
+            </a:xfrm>
+            <a:prstGeom prst="ellipse">
+              <a:avLst/>
+            </a:prstGeom>
+            <a:solidFill>
+              <a:srgbClr val="000000">
+                <a:alpha val="100000"/>
+              </a:srgbClr>
+            </a:solidFill>
+          </p:spPr>
+          <p:txBody>
+            <a:bodyPr/>
+            <a:lstStyle/>
+            <a:p>
+              <a:endParaRPr/>
+            </a:p>
+          </p:txBody>
+        </p:sp>
+        <p:sp>
+          <p:nvSpPr>
+            <p:cNvPr id="36" name="pt36"/>
+            <p:cNvSpPr/>
+            <p:nvPr/>
+          </p:nvSpPr>
+          <p:spPr>
+            <a:xfrm>
+              <a:off x="9419311" y="5880693"/>
+              <a:ext cx="68580" cy="68580"/>
+            </a:xfrm>
+            <a:prstGeom prst="ellipse">
+              <a:avLst/>
+            </a:prstGeom>
+            <a:solidFill>
+              <a:srgbClr val="000000">
+                <a:alpha val="100000"/>
+              </a:srgbClr>
+            </a:solidFill>
+          </p:spPr>
+          <p:txBody>
+            <a:bodyPr/>
+            <a:lstStyle/>
+            <a:p>
+              <a:endParaRPr/>
+            </a:p>
+          </p:txBody>
+        </p:sp>
+        <p:sp>
+          <p:nvSpPr>
+            <p:cNvPr id="37" name="pt37"/>
+            <p:cNvSpPr/>
+            <p:nvPr/>
+          </p:nvSpPr>
+          <p:spPr>
+            <a:xfrm>
+              <a:off x="9912717" y="5875408"/>
+              <a:ext cx="68580" cy="68580"/>
+            </a:xfrm>
+            <a:prstGeom prst="ellipse">
+              <a:avLst/>
+            </a:prstGeom>
+            <a:solidFill>
+              <a:srgbClr val="000000">
+                <a:alpha val="100000"/>
+              </a:srgbClr>
+            </a:solidFill>
+          </p:spPr>
+          <p:txBody>
+            <a:bodyPr/>
+            <a:lstStyle/>
+            <a:p>
+              <a:endParaRPr/>
+            </a:p>
+          </p:txBody>
+        </p:sp>
+        <p:sp>
+          <p:nvSpPr>
+            <p:cNvPr id="38" name="pt38"/>
+            <p:cNvSpPr/>
+            <p:nvPr/>
+          </p:nvSpPr>
+          <p:spPr>
+            <a:xfrm>
+              <a:off x="10406123" y="3975537"/>
+              <a:ext cx="68580" cy="68580"/>
+            </a:xfrm>
+            <a:prstGeom prst="ellipse">
+              <a:avLst/>
+            </a:prstGeom>
+            <a:solidFill>
+              <a:srgbClr val="000000">
+                <a:alpha val="100000"/>
+              </a:srgbClr>
+            </a:solidFill>
+          </p:spPr>
+          <p:txBody>
+            <a:bodyPr/>
+            <a:lstStyle/>
+            <a:p>
+              <a:endParaRPr/>
+            </a:p>
+          </p:txBody>
+        </p:sp>
+        <p:sp>
+          <p:nvSpPr>
+            <p:cNvPr id="39" name="pt39"/>
+            <p:cNvSpPr/>
+            <p:nvPr/>
+          </p:nvSpPr>
+          <p:spPr>
+            <a:xfrm>
+              <a:off x="10899529" y="3888770"/>
+              <a:ext cx="68580" cy="68580"/>
+            </a:xfrm>
+            <a:prstGeom prst="ellipse">
+              <a:avLst/>
+            </a:prstGeom>
+            <a:solidFill>
+              <a:srgbClr val="000000">
+                <a:alpha val="100000"/>
+              </a:srgbClr>
+            </a:solidFill>
+          </p:spPr>
+          <p:txBody>
+            <a:bodyPr/>
+            <a:lstStyle/>
+            <a:p>
+              <a:endParaRPr/>
+            </a:p>
+          </p:txBody>
+        </p:sp>
+        <p:sp>
+          <p:nvSpPr>
+            <p:cNvPr id="40" name="pt40"/>
+            <p:cNvSpPr/>
+            <p:nvPr/>
+          </p:nvSpPr>
+          <p:spPr>
+            <a:xfrm>
+              <a:off x="11392936" y="4565688"/>
+              <a:ext cx="68580" cy="68580"/>
+            </a:xfrm>
+            <a:prstGeom prst="ellipse">
+              <a:avLst/>
+            </a:prstGeom>
+            <a:solidFill>
+              <a:srgbClr val="000000">
+                <a:alpha val="100000"/>
+              </a:srgbClr>
+            </a:solidFill>
+          </p:spPr>
+          <p:txBody>
+            <a:bodyPr/>
+            <a:lstStyle/>
+            <a:p>
+              <a:endParaRPr/>
+            </a:p>
+          </p:txBody>
+        </p:sp>
+        <p:sp>
+          <p:nvSpPr>
+            <p:cNvPr id="41" name="pt41"/>
+            <p:cNvSpPr/>
+            <p:nvPr/>
+          </p:nvSpPr>
+          <p:spPr>
+            <a:xfrm>
+              <a:off x="11886342" y="5799257"/>
+              <a:ext cx="68580" cy="68580"/>
+            </a:xfrm>
+            <a:prstGeom prst="ellipse">
+              <a:avLst/>
+            </a:prstGeom>
+            <a:solidFill>
+              <a:srgbClr val="000000">
+                <a:alpha val="100000"/>
+              </a:srgbClr>
+            </a:solidFill>
+          </p:spPr>
+          <p:txBody>
+            <a:bodyPr/>
+            <a:lstStyle/>
+            <a:p>
+              <a:endParaRPr/>
+            </a:p>
+          </p:txBody>
+        </p:sp>
+        <p:sp>
+          <p:nvSpPr>
+            <p:cNvPr id="42" name="pt42"/>
+            <p:cNvSpPr/>
+            <p:nvPr/>
+          </p:nvSpPr>
+          <p:spPr>
+            <a:xfrm>
+              <a:off x="12379748" y="5463944"/>
+              <a:ext cx="68580" cy="68580"/>
+            </a:xfrm>
+            <a:prstGeom prst="ellipse">
+              <a:avLst/>
+            </a:prstGeom>
+            <a:solidFill>
+              <a:srgbClr val="000000">
+                <a:alpha val="100000"/>
+              </a:srgbClr>
+            </a:solidFill>
+          </p:spPr>
+          <p:txBody>
+            <a:bodyPr/>
+            <a:lstStyle/>
+            <a:p>
+              <a:endParaRPr/>
+            </a:p>
+          </p:txBody>
+        </p:sp>
+        <p:sp>
+          <p:nvSpPr>
+            <p:cNvPr id="43" name="pl43"/>
+            <p:cNvSpPr/>
+            <p:nvPr/>
+          </p:nvSpPr>
+          <p:spPr>
+            <a:xfrm>
+              <a:off x="5012946" y="6711918"/>
+              <a:ext cx="7401092" cy="0"/>
+            </a:xfrm>
+            <a:custGeom>
+              <a:avLst/>
+              <a:gdLst/>
+              <a:ahLst/>
+              <a:cxnLst/>
+              <a:rect l="0" t="0" r="0" b="0"/>
+              <a:pathLst>
+                <a:path w="7401092">
+                  <a:moveTo>
+                    <a:pt x="0" y="0"/>
+                  </a:moveTo>
+                  <a:lnTo>
+                    <a:pt x="7401092" y="0"/>
+                  </a:lnTo>
+                </a:path>
+              </a:pathLst>
+            </a:custGeom>
+            <a:ln w="9525" cap="rnd">
+              <a:solidFill>
+                <a:srgbClr val="000000">
+                  <a:alpha val="100000"/>
+                </a:srgbClr>
+              </a:solidFill>
+              <a:prstDash val="solid"/>
+              <a:round/>
+            </a:ln>
+          </p:spPr>
+          <p:txBody>
+            <a:bodyPr/>
+            <a:lstStyle/>
+            <a:p>
+              <a:endParaRPr/>
+            </a:p>
+          </p:txBody>
+        </p:sp>
+        <p:sp>
+          <p:nvSpPr>
+            <p:cNvPr id="44" name="pl44"/>
+            <p:cNvSpPr/>
+            <p:nvPr/>
+          </p:nvSpPr>
+          <p:spPr>
+            <a:xfrm>
+              <a:off x="5012946" y="6711918"/>
+              <a:ext cx="0" cy="91440"/>
+            </a:xfrm>
+            <a:custGeom>
+              <a:avLst/>
+              <a:gdLst/>
+              <a:ahLst/>
+              <a:cxnLst/>
+              <a:rect l="0" t="0" r="0" b="0"/>
+              <a:pathLst>
+                <a:path h="91440">
+                  <a:moveTo>
+                    <a:pt x="0" y="0"/>
+                  </a:moveTo>
+                  <a:lnTo>
+                    <a:pt x="0" y="91440"/>
+                  </a:lnTo>
+                </a:path>
+              </a:pathLst>
+            </a:custGeom>
+            <a:ln w="9525" cap="rnd">
+              <a:solidFill>
+                <a:srgbClr val="000000">
+                  <a:alpha val="100000"/>
+                </a:srgbClr>
+              </a:solidFill>
+              <a:prstDash val="solid"/>
+              <a:round/>
+            </a:ln>
+          </p:spPr>
+          <p:txBody>
+            <a:bodyPr/>
+            <a:lstStyle/>
+            <a:p>
+              <a:endParaRPr/>
+            </a:p>
+          </p:txBody>
+        </p:sp>
+        <p:sp>
+          <p:nvSpPr>
+            <p:cNvPr id="45" name="pl45"/>
+            <p:cNvSpPr/>
+            <p:nvPr/>
+          </p:nvSpPr>
+          <p:spPr>
+            <a:xfrm>
+              <a:off x="7479976" y="6711918"/>
+              <a:ext cx="0" cy="91440"/>
+            </a:xfrm>
+            <a:custGeom>
+              <a:avLst/>
+              <a:gdLst/>
+              <a:ahLst/>
+              <a:cxnLst/>
+              <a:rect l="0" t="0" r="0" b="0"/>
+              <a:pathLst>
+                <a:path h="91440">
+                  <a:moveTo>
+                    <a:pt x="0" y="0"/>
+                  </a:moveTo>
+                  <a:lnTo>
+                    <a:pt x="0" y="91440"/>
+                  </a:lnTo>
+                </a:path>
+              </a:pathLst>
+            </a:custGeom>
+            <a:ln w="9525" cap="rnd">
+              <a:solidFill>
+                <a:srgbClr val="000000">
+                  <a:alpha val="100000"/>
+                </a:srgbClr>
+              </a:solidFill>
+              <a:prstDash val="solid"/>
+              <a:round/>
+            </a:ln>
+          </p:spPr>
+          <p:txBody>
+            <a:bodyPr/>
+            <a:lstStyle/>
+            <a:p>
+              <a:endParaRPr/>
+            </a:p>
+          </p:txBody>
+        </p:sp>
+        <p:sp>
+          <p:nvSpPr>
+            <p:cNvPr id="46" name="pl46"/>
+            <p:cNvSpPr/>
+            <p:nvPr/>
+          </p:nvSpPr>
+          <p:spPr>
+            <a:xfrm>
+              <a:off x="9947007" y="6711918"/>
+              <a:ext cx="0" cy="91440"/>
+            </a:xfrm>
+            <a:custGeom>
+              <a:avLst/>
+              <a:gdLst/>
+              <a:ahLst/>
+              <a:cxnLst/>
+              <a:rect l="0" t="0" r="0" b="0"/>
+              <a:pathLst>
+                <a:path h="91440">
+                  <a:moveTo>
+                    <a:pt x="0" y="0"/>
+                  </a:moveTo>
+                  <a:lnTo>
+                    <a:pt x="0" y="91440"/>
+                  </a:lnTo>
+                </a:path>
+              </a:pathLst>
+            </a:custGeom>
+            <a:ln w="9525" cap="rnd">
+              <a:solidFill>
+                <a:srgbClr val="000000">
+                  <a:alpha val="100000"/>
+                </a:srgbClr>
+              </a:solidFill>
+              <a:prstDash val="solid"/>
+              <a:round/>
+            </a:ln>
+          </p:spPr>
+          <p:txBody>
+            <a:bodyPr/>
+            <a:lstStyle/>
+            <a:p>
+              <a:endParaRPr/>
+            </a:p>
+          </p:txBody>
+        </p:sp>
+        <p:sp>
+          <p:nvSpPr>
+            <p:cNvPr id="47" name="pl47"/>
+            <p:cNvSpPr/>
+            <p:nvPr/>
+          </p:nvSpPr>
+          <p:spPr>
+            <a:xfrm>
+              <a:off x="12414038" y="6711918"/>
+              <a:ext cx="0" cy="91440"/>
+            </a:xfrm>
+            <a:custGeom>
+              <a:avLst/>
+              <a:gdLst/>
+              <a:ahLst/>
+              <a:cxnLst/>
+              <a:rect l="0" t="0" r="0" b="0"/>
+              <a:pathLst>
+                <a:path h="91440">
+                  <a:moveTo>
+                    <a:pt x="0" y="0"/>
+                  </a:moveTo>
+                  <a:lnTo>
+                    <a:pt x="0" y="91440"/>
+                  </a:lnTo>
+                </a:path>
+              </a:pathLst>
+            </a:custGeom>
+            <a:ln w="9525" cap="rnd">
+              <a:solidFill>
+                <a:srgbClr val="000000">
+                  <a:alpha val="100000"/>
+                </a:srgbClr>
+              </a:solidFill>
+              <a:prstDash val="solid"/>
+              <a:round/>
+            </a:ln>
+          </p:spPr>
+          <p:txBody>
+            <a:bodyPr/>
+            <a:lstStyle/>
+            <a:p>
+              <a:endParaRPr/>
+            </a:p>
+          </p:txBody>
+        </p:sp>
+        <p:sp>
+          <p:nvSpPr>
+            <p:cNvPr id="48" name="tx48"/>
+            <p:cNvSpPr/>
+            <p:nvPr/>
+          </p:nvSpPr>
+          <p:spPr>
+            <a:xfrm>
+              <a:off x="4970567" y="6931763"/>
+              <a:ext cx="84757" cy="109339"/>
+            </a:xfrm>
+            <a:prstGeom prst="rect">
+              <a:avLst/>
+            </a:prstGeom>
+            <a:noFill/>
+          </p:spPr>
+          <p:txBody>
+            <a:bodyPr wrap="none" lIns="0" tIns="0" rIns="0" bIns="0" anchor="ctr" anchorCtr="1"/>
+            <a:lstStyle/>
+            <a:p>
+              <a:pPr marL="0" marR="0" indent="0" algn="l">
+                <a:lnSpc>
+                  <a:spcPts val="1200"/>
+                </a:lnSpc>
+                <a:spcBef>
+                  <a:spcPts val="0"/>
+                </a:spcBef>
+                <a:spcAft>
+                  <a:spcPts val="0"/>
+                </a:spcAft>
+              </a:pPr>
+              <a:r>
+                <a:rPr sz="1200">
+                  <a:solidFill>
+                    <a:srgbClr val="000000">
+                      <a:alpha val="100000"/>
+                    </a:srgbClr>
+                  </a:solidFill>
+                  <a:latin typeface="Arial"/>
+                  <a:cs typeface="Arial"/>
+                </a:rPr>
+                <a:t>5</a:t>
+              </a:r>
+            </a:p>
+          </p:txBody>
+        </p:sp>
+        <p:sp>
+          <p:nvSpPr>
+            <p:cNvPr id="49" name="tx49"/>
+            <p:cNvSpPr/>
+            <p:nvPr/>
+          </p:nvSpPr>
+          <p:spPr>
+            <a:xfrm>
+              <a:off x="7395219" y="6929779"/>
+              <a:ext cx="169515" cy="111323"/>
+            </a:xfrm>
+            <a:prstGeom prst="rect">
+              <a:avLst/>
+            </a:prstGeom>
+            <a:noFill/>
+          </p:spPr>
+          <p:txBody>
+            <a:bodyPr wrap="none" lIns="0" tIns="0" rIns="0" bIns="0" anchor="ctr" anchorCtr="1"/>
+            <a:lstStyle/>
+            <a:p>
+              <a:pPr marL="0" marR="0" indent="0" algn="l">
+                <a:lnSpc>
+                  <a:spcPts val="1200"/>
+                </a:lnSpc>
+                <a:spcBef>
+                  <a:spcPts val="0"/>
+                </a:spcBef>
+                <a:spcAft>
+                  <a:spcPts val="0"/>
+                </a:spcAft>
+              </a:pPr>
+              <a:r>
+                <a:rPr sz="1200">
+                  <a:solidFill>
+                    <a:srgbClr val="000000">
+                      <a:alpha val="100000"/>
+                    </a:srgbClr>
+                  </a:solidFill>
+                  <a:latin typeface="Arial"/>
+                  <a:cs typeface="Arial"/>
+                </a:rPr>
+                <a:t>10</a:t>
+              </a:r>
+            </a:p>
+          </p:txBody>
+        </p:sp>
+        <p:sp>
+          <p:nvSpPr>
+            <p:cNvPr id="50" name="tx50"/>
+            <p:cNvSpPr/>
+            <p:nvPr/>
+          </p:nvSpPr>
+          <p:spPr>
+            <a:xfrm>
+              <a:off x="9862250" y="6929779"/>
+              <a:ext cx="169515" cy="111323"/>
+            </a:xfrm>
+            <a:prstGeom prst="rect">
+              <a:avLst/>
+            </a:prstGeom>
+            <a:noFill/>
+          </p:spPr>
+          <p:txBody>
+            <a:bodyPr wrap="none" lIns="0" tIns="0" rIns="0" bIns="0" anchor="ctr" anchorCtr="1"/>
+            <a:lstStyle/>
+            <a:p>
+              <a:pPr marL="0" marR="0" indent="0" algn="l">
+                <a:lnSpc>
+                  <a:spcPts val="1200"/>
+                </a:lnSpc>
+                <a:spcBef>
+                  <a:spcPts val="0"/>
+                </a:spcBef>
+                <a:spcAft>
+                  <a:spcPts val="0"/>
+                </a:spcAft>
+              </a:pPr>
+              <a:r>
+                <a:rPr sz="1200">
+                  <a:solidFill>
+                    <a:srgbClr val="000000">
+                      <a:alpha val="100000"/>
+                    </a:srgbClr>
+                  </a:solidFill>
+                  <a:latin typeface="Arial"/>
+                  <a:cs typeface="Arial"/>
+                </a:rPr>
+                <a:t>15</a:t>
+              </a:r>
+            </a:p>
+          </p:txBody>
+        </p:sp>
+        <p:sp>
+          <p:nvSpPr>
+            <p:cNvPr id="51" name="tx51"/>
+            <p:cNvSpPr/>
+            <p:nvPr/>
+          </p:nvSpPr>
+          <p:spPr>
+            <a:xfrm>
+              <a:off x="12329280" y="6929779"/>
+              <a:ext cx="169515" cy="111323"/>
+            </a:xfrm>
+            <a:prstGeom prst="rect">
+              <a:avLst/>
+            </a:prstGeom>
+            <a:noFill/>
+          </p:spPr>
+          <p:txBody>
+            <a:bodyPr wrap="none" lIns="0" tIns="0" rIns="0" bIns="0" anchor="ctr" anchorCtr="1"/>
+            <a:lstStyle/>
+            <a:p>
+              <a:pPr marL="0" marR="0" indent="0" algn="l">
+                <a:lnSpc>
+                  <a:spcPts val="1200"/>
+                </a:lnSpc>
+                <a:spcBef>
+                  <a:spcPts val="0"/>
+                </a:spcBef>
+                <a:spcAft>
+                  <a:spcPts val="0"/>
+                </a:spcAft>
+              </a:pPr>
+              <a:r>
+                <a:rPr sz="1200">
+                  <a:solidFill>
+                    <a:srgbClr val="000000">
+                      <a:alpha val="100000"/>
+                    </a:srgbClr>
+                  </a:solidFill>
+                  <a:latin typeface="Arial"/>
+                  <a:cs typeface="Arial"/>
+                </a:rPr>
+                <a:t>20</a:t>
+              </a:r>
+            </a:p>
+          </p:txBody>
+        </p:sp>
+        <p:sp>
+          <p:nvSpPr>
+            <p:cNvPr id="52" name="pl52"/>
+            <p:cNvSpPr/>
+            <p:nvPr/>
+          </p:nvSpPr>
+          <p:spPr>
+            <a:xfrm>
+              <a:off x="2664333" y="3866814"/>
+              <a:ext cx="0" cy="2760248"/>
+            </a:xfrm>
+            <a:custGeom>
+              <a:avLst/>
+              <a:gdLst/>
+              <a:ahLst/>
+              <a:cxnLst/>
+              <a:rect l="0" t="0" r="0" b="0"/>
+              <a:pathLst>
+                <a:path h="2760248">
+                  <a:moveTo>
+                    <a:pt x="0" y="2760248"/>
+                  </a:moveTo>
+                  <a:lnTo>
+                    <a:pt x="0" y="0"/>
+                  </a:lnTo>
+                </a:path>
+              </a:pathLst>
+            </a:custGeom>
+            <a:ln w="9525" cap="rnd">
+              <a:solidFill>
+                <a:srgbClr val="000000">
+                  <a:alpha val="100000"/>
+                </a:srgbClr>
+              </a:solidFill>
+              <a:prstDash val="solid"/>
+              <a:round/>
+            </a:ln>
+          </p:spPr>
+          <p:txBody>
+            <a:bodyPr/>
+            <a:lstStyle/>
+            <a:p>
+              <a:endParaRPr/>
+            </a:p>
+          </p:txBody>
+        </p:sp>
+        <p:sp>
+          <p:nvSpPr>
+            <p:cNvPr id="53" name="pl53"/>
+            <p:cNvSpPr/>
+            <p:nvPr/>
+          </p:nvSpPr>
+          <p:spPr>
+            <a:xfrm>
+              <a:off x="2572893" y="6627062"/>
+              <a:ext cx="91440" cy="0"/>
+            </a:xfrm>
+            <a:custGeom>
+              <a:avLst/>
+              <a:gdLst/>
+              <a:ahLst/>
+              <a:cxnLst/>
+              <a:rect l="0" t="0" r="0" b="0"/>
+              <a:pathLst>
+                <a:path w="91440">
+                  <a:moveTo>
+                    <a:pt x="91440" y="0"/>
+                  </a:moveTo>
+                  <a:lnTo>
+                    <a:pt x="0" y="0"/>
+                  </a:lnTo>
+                </a:path>
+              </a:pathLst>
+            </a:custGeom>
+            <a:ln w="9525" cap="rnd">
+              <a:solidFill>
+                <a:srgbClr val="000000">
+                  <a:alpha val="100000"/>
+                </a:srgbClr>
+              </a:solidFill>
+              <a:prstDash val="solid"/>
+              <a:round/>
+            </a:ln>
+          </p:spPr>
+          <p:txBody>
+            <a:bodyPr/>
+            <a:lstStyle/>
+            <a:p>
+              <a:endParaRPr/>
+            </a:p>
+          </p:txBody>
+        </p:sp>
+        <p:sp>
+          <p:nvSpPr>
+            <p:cNvPr id="54" name="pl54"/>
+            <p:cNvSpPr/>
+            <p:nvPr/>
+          </p:nvSpPr>
+          <p:spPr>
+            <a:xfrm>
+              <a:off x="2572893" y="5937000"/>
+              <a:ext cx="91440" cy="0"/>
+            </a:xfrm>
+            <a:custGeom>
+              <a:avLst/>
+              <a:gdLst/>
+              <a:ahLst/>
+              <a:cxnLst/>
+              <a:rect l="0" t="0" r="0" b="0"/>
+              <a:pathLst>
+                <a:path w="91440">
+                  <a:moveTo>
+                    <a:pt x="91440" y="0"/>
+                  </a:moveTo>
+                  <a:lnTo>
+                    <a:pt x="0" y="0"/>
+                  </a:lnTo>
+                </a:path>
+              </a:pathLst>
+            </a:custGeom>
+            <a:ln w="9525" cap="rnd">
+              <a:solidFill>
+                <a:srgbClr val="000000">
+                  <a:alpha val="100000"/>
+                </a:srgbClr>
+              </a:solidFill>
+              <a:prstDash val="solid"/>
+              <a:round/>
+            </a:ln>
+          </p:spPr>
+          <p:txBody>
+            <a:bodyPr/>
+            <a:lstStyle/>
+            <a:p>
+              <a:endParaRPr/>
+            </a:p>
+          </p:txBody>
+        </p:sp>
+        <p:sp>
+          <p:nvSpPr>
+            <p:cNvPr id="55" name="pl55"/>
+            <p:cNvSpPr/>
+            <p:nvPr/>
+          </p:nvSpPr>
+          <p:spPr>
+            <a:xfrm>
+              <a:off x="2572893" y="5246938"/>
+              <a:ext cx="91440" cy="0"/>
+            </a:xfrm>
+            <a:custGeom>
+              <a:avLst/>
+              <a:gdLst/>
+              <a:ahLst/>
+              <a:cxnLst/>
+              <a:rect l="0" t="0" r="0" b="0"/>
+              <a:pathLst>
+                <a:path w="91440">
+                  <a:moveTo>
+                    <a:pt x="91440" y="0"/>
+                  </a:moveTo>
+                  <a:lnTo>
+                    <a:pt x="0" y="0"/>
+                  </a:lnTo>
+                </a:path>
+              </a:pathLst>
+            </a:custGeom>
+            <a:ln w="9525" cap="rnd">
+              <a:solidFill>
+                <a:srgbClr val="000000">
+                  <a:alpha val="100000"/>
+                </a:srgbClr>
+              </a:solidFill>
+              <a:prstDash val="solid"/>
+              <a:round/>
+            </a:ln>
+          </p:spPr>
+          <p:txBody>
+            <a:bodyPr/>
+            <a:lstStyle/>
+            <a:p>
+              <a:endParaRPr/>
+            </a:p>
+          </p:txBody>
+        </p:sp>
+        <p:sp>
+          <p:nvSpPr>
+            <p:cNvPr id="56" name="pl56"/>
+            <p:cNvSpPr/>
+            <p:nvPr/>
+          </p:nvSpPr>
+          <p:spPr>
+            <a:xfrm>
+              <a:off x="2572893" y="4556876"/>
+              <a:ext cx="91440" cy="0"/>
+            </a:xfrm>
+            <a:custGeom>
+              <a:avLst/>
+              <a:gdLst/>
+              <a:ahLst/>
+              <a:cxnLst/>
+              <a:rect l="0" t="0" r="0" b="0"/>
+              <a:pathLst>
+                <a:path w="91440">
+                  <a:moveTo>
+                    <a:pt x="91440" y="0"/>
+                  </a:moveTo>
+                  <a:lnTo>
+                    <a:pt x="0" y="0"/>
+                  </a:lnTo>
+                </a:path>
+              </a:pathLst>
+            </a:custGeom>
+            <a:ln w="9525" cap="rnd">
+              <a:solidFill>
+                <a:srgbClr val="000000">
+                  <a:alpha val="100000"/>
+                </a:srgbClr>
+              </a:solidFill>
+              <a:prstDash val="solid"/>
+              <a:round/>
+            </a:ln>
+          </p:spPr>
+          <p:txBody>
+            <a:bodyPr/>
+            <a:lstStyle/>
+            <a:p>
+              <a:endParaRPr/>
+            </a:p>
+          </p:txBody>
+        </p:sp>
+        <p:sp>
+          <p:nvSpPr>
+            <p:cNvPr id="57" name="pl57"/>
+            <p:cNvSpPr/>
+            <p:nvPr/>
+          </p:nvSpPr>
+          <p:spPr>
+            <a:xfrm>
+              <a:off x="2572893" y="3866814"/>
+              <a:ext cx="91440" cy="0"/>
+            </a:xfrm>
+            <a:custGeom>
+              <a:avLst/>
+              <a:gdLst/>
+              <a:ahLst/>
+              <a:cxnLst/>
+              <a:rect l="0" t="0" r="0" b="0"/>
+              <a:pathLst>
+                <a:path w="91440">
+                  <a:moveTo>
+                    <a:pt x="91440" y="0"/>
+                  </a:moveTo>
+                  <a:lnTo>
+                    <a:pt x="0" y="0"/>
+                  </a:lnTo>
+                </a:path>
+              </a:pathLst>
+            </a:custGeom>
+            <a:ln w="9525" cap="rnd">
+              <a:solidFill>
+                <a:srgbClr val="000000">
+                  <a:alpha val="100000"/>
+                </a:srgbClr>
+              </a:solidFill>
+              <a:prstDash val="solid"/>
+              <a:round/>
+            </a:ln>
+          </p:spPr>
+          <p:txBody>
+            <a:bodyPr/>
+            <a:lstStyle/>
+            <a:p>
+              <a:endParaRPr/>
+            </a:p>
+          </p:txBody>
+        </p:sp>
+        <p:sp>
+          <p:nvSpPr>
+            <p:cNvPr id="58" name="tx58"/>
+            <p:cNvSpPr/>
+            <p:nvPr/>
+          </p:nvSpPr>
+          <p:spPr>
+            <a:xfrm rot="-5400000">
+              <a:off x="2257911" y="6571401"/>
+              <a:ext cx="262607" cy="111323"/>
+            </a:xfrm>
+            <a:prstGeom prst="rect">
+              <a:avLst/>
+            </a:prstGeom>
+            <a:noFill/>
+          </p:spPr>
+          <p:txBody>
+            <a:bodyPr wrap="none" lIns="0" tIns="0" rIns="0" bIns="0" anchor="ctr" anchorCtr="1"/>
+            <a:lstStyle/>
+            <a:p>
+              <a:pPr marL="0" marR="0" indent="0" algn="l">
+                <a:lnSpc>
+                  <a:spcPts val="1200"/>
+                </a:lnSpc>
+                <a:spcBef>
+                  <a:spcPts val="0"/>
+                </a:spcBef>
+                <a:spcAft>
+                  <a:spcPts val="0"/>
+                </a:spcAft>
+              </a:pPr>
+              <a:r>
+                <a:rPr sz="1200">
+                  <a:solidFill>
+                    <a:srgbClr val="000000">
+                      <a:alpha val="100000"/>
+                    </a:srgbClr>
+                  </a:solidFill>
+                  <a:latin typeface="Arial"/>
+                  <a:cs typeface="Arial"/>
+                </a:rPr>
+                <a:t>-1.0</a:t>
+              </a:r>
+            </a:p>
+          </p:txBody>
+        </p:sp>
+        <p:sp>
+          <p:nvSpPr>
+            <p:cNvPr id="59" name="tx59"/>
+            <p:cNvSpPr/>
+            <p:nvPr/>
+          </p:nvSpPr>
+          <p:spPr>
+            <a:xfrm rot="-5400000">
+              <a:off x="2257911" y="5881339"/>
+              <a:ext cx="262607" cy="111323"/>
+            </a:xfrm>
+            <a:prstGeom prst="rect">
+              <a:avLst/>
+            </a:prstGeom>
+            <a:noFill/>
+          </p:spPr>
+          <p:txBody>
+            <a:bodyPr wrap="none" lIns="0" tIns="0" rIns="0" bIns="0" anchor="ctr" anchorCtr="1"/>
+            <a:lstStyle/>
+            <a:p>
+              <a:pPr marL="0" marR="0" indent="0" algn="l">
+                <a:lnSpc>
+                  <a:spcPts val="1200"/>
+                </a:lnSpc>
+                <a:spcBef>
+                  <a:spcPts val="0"/>
+                </a:spcBef>
+                <a:spcAft>
+                  <a:spcPts val="0"/>
+                </a:spcAft>
+              </a:pPr>
+              <a:r>
+                <a:rPr sz="1200">
+                  <a:solidFill>
+                    <a:srgbClr val="000000">
+                      <a:alpha val="100000"/>
+                    </a:srgbClr>
+                  </a:solidFill>
+                  <a:latin typeface="Arial"/>
+                  <a:cs typeface="Arial"/>
+                </a:rPr>
+                <a:t>-0.5</a:t>
+              </a:r>
+            </a:p>
+          </p:txBody>
+        </p:sp>
+        <p:sp>
+          <p:nvSpPr>
+            <p:cNvPr id="60" name="tx60"/>
+            <p:cNvSpPr/>
+            <p:nvPr/>
+          </p:nvSpPr>
+          <p:spPr>
+            <a:xfrm rot="-5400000">
+              <a:off x="2283286" y="5191277"/>
+              <a:ext cx="211856" cy="111323"/>
+            </a:xfrm>
+            <a:prstGeom prst="rect">
+              <a:avLst/>
+            </a:prstGeom>
+            <a:noFill/>
+          </p:spPr>
+          <p:txBody>
+            <a:bodyPr wrap="none" lIns="0" tIns="0" rIns="0" bIns="0" anchor="ctr" anchorCtr="1"/>
+            <a:lstStyle/>
+            <a:p>
+              <a:pPr marL="0" marR="0" indent="0" algn="l">
+                <a:lnSpc>
+                  <a:spcPts val="1200"/>
+                </a:lnSpc>
+                <a:spcBef>
+                  <a:spcPts val="0"/>
+                </a:spcBef>
+                <a:spcAft>
+                  <a:spcPts val="0"/>
+                </a:spcAft>
+              </a:pPr>
+              <a:r>
+                <a:rPr sz="1200">
+                  <a:solidFill>
+                    <a:srgbClr val="000000">
+                      <a:alpha val="100000"/>
+                    </a:srgbClr>
+                  </a:solidFill>
+                  <a:latin typeface="Arial"/>
+                  <a:cs typeface="Arial"/>
+                </a:rPr>
+                <a:t>0.0</a:t>
+              </a:r>
+            </a:p>
+          </p:txBody>
+        </p:sp>
+        <p:sp>
+          <p:nvSpPr>
+            <p:cNvPr id="61" name="tx61"/>
+            <p:cNvSpPr/>
+            <p:nvPr/>
+          </p:nvSpPr>
+          <p:spPr>
+            <a:xfrm rot="-5400000">
+              <a:off x="2283286" y="4501214"/>
+              <a:ext cx="211856" cy="111323"/>
+            </a:xfrm>
+            <a:prstGeom prst="rect">
+              <a:avLst/>
+            </a:prstGeom>
+            <a:noFill/>
+          </p:spPr>
+          <p:txBody>
+            <a:bodyPr wrap="none" lIns="0" tIns="0" rIns="0" bIns="0" anchor="ctr" anchorCtr="1"/>
+            <a:lstStyle/>
+            <a:p>
+              <a:pPr marL="0" marR="0" indent="0" algn="l">
+                <a:lnSpc>
+                  <a:spcPts val="1200"/>
+                </a:lnSpc>
+                <a:spcBef>
+                  <a:spcPts val="0"/>
+                </a:spcBef>
+                <a:spcAft>
+                  <a:spcPts val="0"/>
+                </a:spcAft>
+              </a:pPr>
+              <a:r>
+                <a:rPr sz="1200">
+                  <a:solidFill>
+                    <a:srgbClr val="000000">
+                      <a:alpha val="100000"/>
+                    </a:srgbClr>
+                  </a:solidFill>
+                  <a:latin typeface="Arial"/>
+                  <a:cs typeface="Arial"/>
+                </a:rPr>
+                <a:t>0.5</a:t>
+              </a:r>
+            </a:p>
+          </p:txBody>
+        </p:sp>
+        <p:sp>
+          <p:nvSpPr>
+            <p:cNvPr id="62" name="tx62"/>
+            <p:cNvSpPr/>
+            <p:nvPr/>
+          </p:nvSpPr>
+          <p:spPr>
+            <a:xfrm rot="-5400000">
+              <a:off x="2283286" y="3811152"/>
+              <a:ext cx="211856" cy="111323"/>
+            </a:xfrm>
+            <a:prstGeom prst="rect">
+              <a:avLst/>
+            </a:prstGeom>
+            <a:noFill/>
+          </p:spPr>
+          <p:txBody>
+            <a:bodyPr wrap="none" lIns="0" tIns="0" rIns="0" bIns="0" anchor="ctr" anchorCtr="1"/>
+            <a:lstStyle/>
+            <a:p>
+              <a:pPr marL="0" marR="0" indent="0" algn="l">
+                <a:lnSpc>
+                  <a:spcPts val="1200"/>
+                </a:lnSpc>
+                <a:spcBef>
+                  <a:spcPts val="0"/>
+                </a:spcBef>
+                <a:spcAft>
+                  <a:spcPts val="0"/>
+                </a:spcAft>
+              </a:pPr>
+              <a:r>
+                <a:rPr sz="1200">
+                  <a:solidFill>
+                    <a:srgbClr val="000000">
+                      <a:alpha val="100000"/>
+                    </a:srgbClr>
+                  </a:solidFill>
+                  <a:latin typeface="Arial"/>
+                  <a:cs typeface="Arial"/>
+                </a:rPr>
+                <a:t>1.0</a:t>
+              </a:r>
+            </a:p>
+          </p:txBody>
+        </p:sp>
+        <p:sp>
+          <p:nvSpPr>
+            <p:cNvPr id="63" name="pl63"/>
+            <p:cNvSpPr/>
+            <p:nvPr/>
+          </p:nvSpPr>
+          <p:spPr>
+            <a:xfrm>
+              <a:off x="2664333" y="3803364"/>
+              <a:ext cx="10124693" cy="2908554"/>
+            </a:xfrm>
+            <a:custGeom>
+              <a:avLst/>
+              <a:gdLst/>
+              <a:ahLst/>
+              <a:cxnLst/>
+              <a:rect l="0" t="0" r="0" b="0"/>
+              <a:pathLst>
+                <a:path w="10124693" h="2908554">
+                  <a:moveTo>
+                    <a:pt x="0" y="2908554"/>
+                  </a:moveTo>
+                  <a:lnTo>
+                    <a:pt x="10124693" y="2908554"/>
+                  </a:lnTo>
+                  <a:lnTo>
+                    <a:pt x="10124693" y="0"/>
+                  </a:lnTo>
+                  <a:lnTo>
+                    <a:pt x="0" y="0"/>
+                  </a:lnTo>
+                  <a:lnTo>
+                    <a:pt x="0" y="2908554"/>
+                  </a:lnTo>
+                </a:path>
+              </a:pathLst>
+            </a:custGeom>
+            <a:ln w="9525" cap="rnd">
+              <a:solidFill>
+                <a:srgbClr val="000000">
+                  <a:alpha val="100000"/>
+                </a:srgbClr>
+              </a:solidFill>
+              <a:prstDash val="solid"/>
+              <a:round/>
+            </a:ln>
+          </p:spPr>
+          <p:txBody>
+            <a:bodyPr/>
+            <a:lstStyle/>
+            <a:p>
+              <a:endParaRPr/>
+            </a:p>
+          </p:txBody>
+        </p:sp>
+        <p:sp>
+          <p:nvSpPr>
+            <p:cNvPr id="65" name="tx65"/>
+            <p:cNvSpPr/>
+            <p:nvPr/>
+          </p:nvSpPr>
+          <p:spPr>
+            <a:xfrm>
+              <a:off x="7540272" y="7295935"/>
+              <a:ext cx="372814" cy="110926"/>
+            </a:xfrm>
+            <a:prstGeom prst="rect">
+              <a:avLst/>
+            </a:prstGeom>
+            <a:noFill/>
+          </p:spPr>
+          <p:txBody>
+            <a:bodyPr wrap="none" lIns="0" tIns="0" rIns="0" bIns="0" anchor="ctr" anchorCtr="1"/>
+            <a:lstStyle/>
+            <a:p>
+              <a:pPr marL="0" marR="0" indent="0" algn="l">
+                <a:lnSpc>
+                  <a:spcPts val="1200"/>
+                </a:lnSpc>
+                <a:spcBef>
+                  <a:spcPts val="0"/>
+                </a:spcBef>
+                <a:spcAft>
+                  <a:spcPts val="0"/>
+                </a:spcAft>
+              </a:pPr>
+              <a:r>
+                <a:rPr sz="1200">
+                  <a:solidFill>
+                    <a:srgbClr val="000000">
+                      <a:alpha val="100000"/>
+                    </a:srgbClr>
+                  </a:solidFill>
+                  <a:latin typeface="Arial"/>
+                  <a:cs typeface="Arial"/>
+                </a:rPr>
+                <a:t>Index</a:t>
+              </a:r>
+            </a:p>
+          </p:txBody>
+        </p:sp>
+        <p:sp>
+          <p:nvSpPr>
+            <p:cNvPr id="66" name="tx66"/>
+            <p:cNvSpPr/>
+            <p:nvPr/>
+          </p:nvSpPr>
+          <p:spPr>
+            <a:xfrm rot="-5400000">
+              <a:off x="1727225" y="5202178"/>
+              <a:ext cx="592856" cy="110926"/>
+            </a:xfrm>
+            <a:prstGeom prst="rect">
+              <a:avLst/>
+            </a:prstGeom>
+            <a:noFill/>
+          </p:spPr>
+          <p:txBody>
+            <a:bodyPr wrap="none" lIns="0" tIns="0" rIns="0" bIns="0" anchor="ctr" anchorCtr="1"/>
+            <a:lstStyle/>
+            <a:p>
+              <a:pPr marL="0" marR="0" indent="0" algn="l">
+                <a:lnSpc>
+                  <a:spcPts val="1200"/>
+                </a:lnSpc>
+                <a:spcBef>
+                  <a:spcPts val="0"/>
+                </a:spcBef>
+                <a:spcAft>
+                  <a:spcPts val="0"/>
+                </a:spcAft>
+              </a:pPr>
+              <a:r>
+                <a:rPr sz="1200">
+                  <a:solidFill>
+                    <a:srgbClr val="000000">
+                      <a:alpha val="100000"/>
+                    </a:srgbClr>
+                  </a:solidFill>
+                  <a:latin typeface="Arial"/>
+                  <a:cs typeface="Arial"/>
+                </a:rPr>
+                <a:t>Estimate</a:t>
+              </a:r>
+            </a:p>
+          </p:txBody>
+        </p:sp>
+        <p:sp>
+          <p:nvSpPr>
+            <p:cNvPr id="67" name="pl67"/>
+            <p:cNvSpPr/>
+            <p:nvPr/>
+          </p:nvSpPr>
+          <p:spPr>
+            <a:xfrm>
+              <a:off x="3092646" y="5011385"/>
+              <a:ext cx="386755" cy="538746"/>
+            </a:xfrm>
+            <a:custGeom>
+              <a:avLst/>
+              <a:gdLst/>
+              <a:ahLst/>
+              <a:cxnLst/>
+              <a:rect l="0" t="0" r="0" b="0"/>
+              <a:pathLst>
+                <a:path w="386755" h="538746">
+                  <a:moveTo>
+                    <a:pt x="0" y="538746"/>
+                  </a:moveTo>
+                  <a:lnTo>
+                    <a:pt x="386755" y="0"/>
+                  </a:lnTo>
+                </a:path>
+              </a:pathLst>
+            </a:custGeom>
+            <a:ln w="9525" cap="rnd">
+              <a:solidFill>
+                <a:srgbClr val="008B00">
+                  <a:alpha val="100000"/>
+                </a:srgbClr>
+              </a:solidFill>
+              <a:prstDash val="solid"/>
+              <a:round/>
+            </a:ln>
+          </p:spPr>
+          <p:txBody>
+            <a:bodyPr/>
+            <a:lstStyle/>
+            <a:p>
+              <a:endParaRPr/>
+            </a:p>
+          </p:txBody>
+        </p:sp>
+        <p:sp>
+          <p:nvSpPr>
+            <p:cNvPr id="68" name="pl68"/>
+            <p:cNvSpPr/>
+            <p:nvPr/>
+          </p:nvSpPr>
+          <p:spPr>
+            <a:xfrm>
+              <a:off x="3623872" y="4904685"/>
+              <a:ext cx="311117" cy="25073"/>
+            </a:xfrm>
+            <a:custGeom>
+              <a:avLst/>
+              <a:gdLst/>
+              <a:ahLst/>
+              <a:cxnLst/>
+              <a:rect l="0" t="0" r="0" b="0"/>
+              <a:pathLst>
+                <a:path w="311117" h="25073">
+                  <a:moveTo>
+                    <a:pt x="0" y="25073"/>
+                  </a:moveTo>
+                  <a:lnTo>
+                    <a:pt x="311117" y="0"/>
+                  </a:lnTo>
+                </a:path>
+              </a:pathLst>
+            </a:custGeom>
+            <a:ln w="9525" cap="rnd">
+              <a:solidFill>
+                <a:srgbClr val="008B00">
+                  <a:alpha val="100000"/>
+                </a:srgbClr>
+              </a:solidFill>
+              <a:prstDash val="solid"/>
+              <a:round/>
+            </a:ln>
+          </p:spPr>
+          <p:txBody>
+            <a:bodyPr/>
+            <a:lstStyle/>
+            <a:p>
+              <a:endParaRPr/>
+            </a:p>
+          </p:txBody>
+        </p:sp>
+        <p:sp>
+          <p:nvSpPr>
+            <p:cNvPr id="69" name="pl69"/>
+            <p:cNvSpPr/>
+            <p:nvPr/>
+          </p:nvSpPr>
+          <p:spPr>
+            <a:xfrm>
+              <a:off x="4083525" y="4356525"/>
+              <a:ext cx="378622" cy="469628"/>
+            </a:xfrm>
+            <a:custGeom>
+              <a:avLst/>
+              <a:gdLst/>
+              <a:ahLst/>
+              <a:cxnLst/>
+              <a:rect l="0" t="0" r="0" b="0"/>
+              <a:pathLst>
+                <a:path w="378622" h="469628">
+                  <a:moveTo>
+                    <a:pt x="0" y="469628"/>
+                  </a:moveTo>
+                  <a:lnTo>
+                    <a:pt x="378622" y="0"/>
+                  </a:lnTo>
+                </a:path>
+              </a:pathLst>
+            </a:custGeom>
+            <a:ln w="9525" cap="rnd">
+              <a:solidFill>
+                <a:srgbClr val="008B00">
+                  <a:alpha val="100000"/>
+                </a:srgbClr>
+              </a:solidFill>
+              <a:prstDash val="solid"/>
+              <a:round/>
+            </a:ln>
+          </p:spPr>
+          <p:txBody>
+            <a:bodyPr/>
+            <a:lstStyle/>
+            <a:p>
+              <a:endParaRPr/>
+            </a:p>
+          </p:txBody>
+        </p:sp>
+        <p:sp>
+          <p:nvSpPr>
+            <p:cNvPr id="70" name="pl70"/>
+            <p:cNvSpPr/>
+            <p:nvPr/>
+          </p:nvSpPr>
+          <p:spPr>
+            <a:xfrm>
+              <a:off x="4544635" y="4373268"/>
+              <a:ext cx="443215" cy="1552944"/>
+            </a:xfrm>
+            <a:custGeom>
+              <a:avLst/>
+              <a:gdLst/>
+              <a:ahLst/>
+              <a:cxnLst/>
+              <a:rect l="0" t="0" r="0" b="0"/>
+              <a:pathLst>
+                <a:path w="443215" h="1552944">
+                  <a:moveTo>
+                    <a:pt x="0" y="0"/>
+                  </a:moveTo>
+                  <a:lnTo>
+                    <a:pt x="443215" y="1552944"/>
+                  </a:lnTo>
+                </a:path>
+              </a:pathLst>
+            </a:custGeom>
+            <a:ln w="9525" cap="rnd">
+              <a:solidFill>
+                <a:srgbClr val="008B00">
+                  <a:alpha val="100000"/>
+                </a:srgbClr>
+              </a:solidFill>
+              <a:prstDash val="solid"/>
+              <a:round/>
+            </a:ln>
+          </p:spPr>
+          <p:txBody>
+            <a:bodyPr/>
+            <a:lstStyle/>
+            <a:p>
+              <a:endParaRPr/>
+            </a:p>
+          </p:txBody>
+        </p:sp>
+        <p:sp>
+          <p:nvSpPr>
+            <p:cNvPr id="71" name="pl71"/>
+            <p:cNvSpPr/>
+            <p:nvPr/>
+          </p:nvSpPr>
+          <p:spPr>
+            <a:xfrm>
+              <a:off x="5079116" y="5606672"/>
+              <a:ext cx="361065" cy="344360"/>
+            </a:xfrm>
+            <a:custGeom>
+              <a:avLst/>
+              <a:gdLst/>
+              <a:ahLst/>
+              <a:cxnLst/>
+              <a:rect l="0" t="0" r="0" b="0"/>
+              <a:pathLst>
+                <a:path w="361065" h="344360">
+                  <a:moveTo>
+                    <a:pt x="0" y="344360"/>
+                  </a:moveTo>
+                  <a:lnTo>
+                    <a:pt x="361065" y="0"/>
+                  </a:lnTo>
+                </a:path>
+              </a:pathLst>
+            </a:custGeom>
+            <a:ln w="9525" cap="rnd">
+              <a:solidFill>
+                <a:srgbClr val="008B00">
+                  <a:alpha val="100000"/>
+                </a:srgbClr>
+              </a:solidFill>
+              <a:prstDash val="solid"/>
+              <a:round/>
+            </a:ln>
+          </p:spPr>
+          <p:txBody>
+            <a:bodyPr/>
+            <a:lstStyle/>
+            <a:p>
+              <a:endParaRPr/>
+            </a:p>
+          </p:txBody>
+        </p:sp>
+        <p:sp>
+          <p:nvSpPr>
+            <p:cNvPr id="72" name="pl72"/>
+            <p:cNvSpPr/>
+            <p:nvPr/>
+          </p:nvSpPr>
+          <p:spPr>
+            <a:xfrm>
+              <a:off x="5541889" y="4458043"/>
+              <a:ext cx="422331" cy="1001268"/>
+            </a:xfrm>
+            <a:custGeom>
+              <a:avLst/>
+              <a:gdLst/>
+              <a:ahLst/>
+              <a:cxnLst/>
+              <a:rect l="0" t="0" r="0" b="0"/>
+              <a:pathLst>
+                <a:path w="422331" h="1001268">
+                  <a:moveTo>
+                    <a:pt x="0" y="1001268"/>
+                  </a:moveTo>
+                  <a:lnTo>
+                    <a:pt x="422331" y="0"/>
+                  </a:lnTo>
+                </a:path>
+              </a:pathLst>
+            </a:custGeom>
+            <a:ln w="9525" cap="rnd">
+              <a:solidFill>
+                <a:srgbClr val="008B00">
+                  <a:alpha val="100000"/>
+                </a:srgbClr>
+              </a:solidFill>
+              <a:prstDash val="solid"/>
+              <a:round/>
+            </a:ln>
+          </p:spPr>
+          <p:txBody>
+            <a:bodyPr/>
+            <a:lstStyle/>
+            <a:p>
+              <a:endParaRPr/>
+            </a:p>
+          </p:txBody>
+        </p:sp>
+        <p:sp>
+          <p:nvSpPr>
+            <p:cNvPr id="73" name="pl73"/>
+            <p:cNvSpPr/>
+            <p:nvPr/>
+          </p:nvSpPr>
+          <p:spPr>
+            <a:xfrm>
+              <a:off x="6022043" y="4462474"/>
+              <a:ext cx="448835" cy="1786129"/>
+            </a:xfrm>
+            <a:custGeom>
+              <a:avLst/>
+              <a:gdLst/>
+              <a:ahLst/>
+              <a:cxnLst/>
+              <a:rect l="0" t="0" r="0" b="0"/>
+              <a:pathLst>
+                <a:path w="448835" h="1786129">
+                  <a:moveTo>
+                    <a:pt x="0" y="0"/>
+                  </a:moveTo>
+                  <a:lnTo>
+                    <a:pt x="448835" y="1786129"/>
+                  </a:lnTo>
+                </a:path>
+              </a:pathLst>
+            </a:custGeom>
+            <a:ln w="9525" cap="rnd">
+              <a:solidFill>
+                <a:srgbClr val="008B00">
+                  <a:alpha val="100000"/>
+                </a:srgbClr>
+              </a:solidFill>
+              <a:prstDash val="solid"/>
+              <a:round/>
+            </a:ln>
+          </p:spPr>
+          <p:txBody>
+            <a:bodyPr/>
+            <a:lstStyle/>
+            <a:p>
+              <a:endParaRPr/>
+            </a:p>
+          </p:txBody>
+        </p:sp>
+        <p:sp>
+          <p:nvSpPr>
+            <p:cNvPr id="74" name="pl74"/>
+            <p:cNvSpPr/>
+            <p:nvPr/>
+          </p:nvSpPr>
+          <p:spPr>
+            <a:xfrm>
+              <a:off x="6548740" y="5765247"/>
+              <a:ext cx="382253" cy="499426"/>
+            </a:xfrm>
+            <a:custGeom>
+              <a:avLst/>
+              <a:gdLst/>
+              <a:ahLst/>
+              <a:cxnLst/>
+              <a:rect l="0" t="0" r="0" b="0"/>
+              <a:pathLst>
+                <a:path w="382253" h="499426">
+                  <a:moveTo>
+                    <a:pt x="0" y="499426"/>
+                  </a:moveTo>
+                  <a:lnTo>
+                    <a:pt x="382253" y="0"/>
+                  </a:lnTo>
+                </a:path>
+              </a:pathLst>
+            </a:custGeom>
+            <a:ln w="9525" cap="rnd">
+              <a:solidFill>
+                <a:srgbClr val="008B00">
+                  <a:alpha val="100000"/>
+                </a:srgbClr>
+              </a:solidFill>
+              <a:prstDash val="solid"/>
+              <a:round/>
+            </a:ln>
+          </p:spPr>
+          <p:txBody>
+            <a:bodyPr/>
+            <a:lstStyle/>
+            <a:p>
+              <a:endParaRPr/>
+            </a:p>
+          </p:txBody>
+        </p:sp>
+        <p:sp>
+          <p:nvSpPr>
+            <p:cNvPr id="75" name="pl75"/>
+            <p:cNvSpPr/>
+            <p:nvPr/>
+          </p:nvSpPr>
+          <p:spPr>
+            <a:xfrm>
+              <a:off x="7010324" y="3946792"/>
+              <a:ext cx="445898" cy="1657542"/>
+            </a:xfrm>
+            <a:custGeom>
+              <a:avLst/>
+              <a:gdLst/>
+              <a:ahLst/>
+              <a:cxnLst/>
+              <a:rect l="0" t="0" r="0" b="0"/>
+              <a:pathLst>
+                <a:path w="445898" h="1657542">
+                  <a:moveTo>
+                    <a:pt x="0" y="1657542"/>
+                  </a:moveTo>
+                  <a:lnTo>
+                    <a:pt x="445898" y="0"/>
+                  </a:lnTo>
+                </a:path>
+              </a:pathLst>
+            </a:custGeom>
+            <a:ln w="9525" cap="rnd">
+              <a:solidFill>
+                <a:srgbClr val="008B00">
+                  <a:alpha val="100000"/>
+                </a:srgbClr>
+              </a:solidFill>
+              <a:prstDash val="solid"/>
+              <a:round/>
+            </a:ln>
+          </p:spPr>
+          <p:txBody>
+            <a:bodyPr/>
+            <a:lstStyle/>
+            <a:p>
+              <a:endParaRPr/>
+            </a:p>
+          </p:txBody>
+        </p:sp>
+        <p:sp>
+          <p:nvSpPr>
+            <p:cNvPr id="76" name="pl76"/>
+            <p:cNvSpPr/>
+            <p:nvPr/>
+          </p:nvSpPr>
+          <p:spPr>
+            <a:xfrm>
+              <a:off x="7500932" y="3947498"/>
+              <a:ext cx="451495" cy="1917702"/>
+            </a:xfrm>
+            <a:custGeom>
+              <a:avLst/>
+              <a:gdLst/>
+              <a:ahLst/>
+              <a:cxnLst/>
+              <a:rect l="0" t="0" r="0" b="0"/>
+              <a:pathLst>
+                <a:path w="451495" h="1917702">
+                  <a:moveTo>
+                    <a:pt x="0" y="0"/>
+                  </a:moveTo>
+                  <a:lnTo>
+                    <a:pt x="451495" y="1917702"/>
+                  </a:lnTo>
+                </a:path>
+              </a:pathLst>
+            </a:custGeom>
+            <a:ln w="9525" cap="rnd">
+              <a:solidFill>
+                <a:srgbClr val="008B00">
+                  <a:alpha val="100000"/>
+                </a:srgbClr>
+              </a:solidFill>
+              <a:prstDash val="solid"/>
+              <a:round/>
+            </a:ln>
+          </p:spPr>
+          <p:txBody>
+            <a:bodyPr/>
+            <a:lstStyle/>
+            <a:p>
+              <a:endParaRPr/>
+            </a:p>
+          </p:txBody>
+        </p:sp>
+        <p:sp>
+          <p:nvSpPr>
+            <p:cNvPr id="77" name="pl77"/>
+            <p:cNvSpPr/>
+            <p:nvPr/>
+          </p:nvSpPr>
+          <p:spPr>
+            <a:xfrm>
+              <a:off x="7990696" y="3803364"/>
+              <a:ext cx="397437" cy="2061056"/>
+            </a:xfrm>
+            <a:custGeom>
+              <a:avLst/>
+              <a:gdLst/>
+              <a:ahLst/>
+              <a:cxnLst/>
+              <a:rect l="0" t="0" r="0" b="0"/>
+              <a:pathLst>
+                <a:path w="397437" h="2061056">
+                  <a:moveTo>
+                    <a:pt x="0" y="2061056"/>
+                  </a:moveTo>
+                  <a:lnTo>
+                    <a:pt x="397437" y="0"/>
+                  </a:lnTo>
+                </a:path>
+              </a:pathLst>
+            </a:custGeom>
+            <a:ln w="9525" cap="rnd">
+              <a:solidFill>
+                <a:srgbClr val="008B00">
+                  <a:alpha val="100000"/>
+                </a:srgbClr>
+              </a:solidFill>
+              <a:prstDash val="solid"/>
+              <a:round/>
+            </a:ln>
+          </p:spPr>
+          <p:txBody>
+            <a:bodyPr/>
+            <a:lstStyle/>
+            <a:p>
+              <a:endParaRPr/>
+            </a:p>
+          </p:txBody>
+        </p:sp>
+        <p:sp>
+          <p:nvSpPr>
+            <p:cNvPr id="78" name="pl78"/>
+            <p:cNvSpPr/>
+            <p:nvPr/>
+          </p:nvSpPr>
+          <p:spPr>
+            <a:xfrm>
+              <a:off x="8532985" y="3803364"/>
+              <a:ext cx="412561" cy="2542154"/>
+            </a:xfrm>
+            <a:custGeom>
+              <a:avLst/>
+              <a:gdLst/>
+              <a:ahLst/>
+              <a:cxnLst/>
+              <a:rect l="0" t="0" r="0" b="0"/>
+              <a:pathLst>
+                <a:path w="412561" h="2542154">
+                  <a:moveTo>
+                    <a:pt x="0" y="0"/>
+                  </a:moveTo>
+                  <a:lnTo>
+                    <a:pt x="412561" y="2542154"/>
+                  </a:lnTo>
+                </a:path>
+              </a:pathLst>
+            </a:custGeom>
+            <a:ln w="9525" cap="rnd">
+              <a:solidFill>
+                <a:srgbClr val="008B00">
+                  <a:alpha val="100000"/>
+                </a:srgbClr>
+              </a:solidFill>
+              <a:prstDash val="solid"/>
+              <a:round/>
+            </a:ln>
+          </p:spPr>
+          <p:txBody>
+            <a:bodyPr/>
+            <a:lstStyle/>
+            <a:p>
+              <a:endParaRPr/>
+            </a:p>
+          </p:txBody>
+        </p:sp>
+        <p:sp>
+          <p:nvSpPr>
+            <p:cNvPr id="79" name="pl79"/>
+            <p:cNvSpPr/>
+            <p:nvPr/>
+          </p:nvSpPr>
+          <p:spPr>
+            <a:xfrm>
+              <a:off x="9006455" y="5673369"/>
+              <a:ext cx="400886" cy="683533"/>
+            </a:xfrm>
+            <a:custGeom>
+              <a:avLst/>
+              <a:gdLst/>
+              <a:ahLst/>
+              <a:cxnLst/>
+              <a:rect l="0" t="0" r="0" b="0"/>
+              <a:pathLst>
+                <a:path w="400886" h="683533">
+                  <a:moveTo>
+                    <a:pt x="0" y="683533"/>
+                  </a:moveTo>
+                  <a:lnTo>
+                    <a:pt x="400886" y="0"/>
+                  </a:lnTo>
+                </a:path>
+              </a:pathLst>
+            </a:custGeom>
+            <a:ln w="9525" cap="rnd">
+              <a:solidFill>
+                <a:srgbClr val="008B00">
+                  <a:alpha val="100000"/>
+                </a:srgbClr>
+              </a:solidFill>
+              <a:prstDash val="solid"/>
+              <a:round/>
+            </a:ln>
+          </p:spPr>
+          <p:txBody>
+            <a:bodyPr/>
+            <a:lstStyle/>
+            <a:p>
+              <a:endParaRPr/>
+            </a:p>
+          </p:txBody>
+        </p:sp>
+        <p:sp>
+          <p:nvSpPr>
+            <p:cNvPr id="80" name="pl80"/>
+            <p:cNvSpPr/>
+            <p:nvPr/>
+          </p:nvSpPr>
+          <p:spPr>
+            <a:xfrm>
+              <a:off x="9544648" y="5557079"/>
+              <a:ext cx="311311" cy="28948"/>
+            </a:xfrm>
+            <a:custGeom>
+              <a:avLst/>
+              <a:gdLst/>
+              <a:ahLst/>
+              <a:cxnLst/>
+              <a:rect l="0" t="0" r="0" b="0"/>
+              <a:pathLst>
+                <a:path w="311311" h="28948">
+                  <a:moveTo>
+                    <a:pt x="0" y="28948"/>
+                  </a:moveTo>
+                  <a:lnTo>
+                    <a:pt x="311311" y="0"/>
+                  </a:lnTo>
+                </a:path>
+              </a:pathLst>
+            </a:custGeom>
+            <a:ln w="9525" cap="rnd">
+              <a:solidFill>
+                <a:srgbClr val="008B00">
+                  <a:alpha val="100000"/>
+                </a:srgbClr>
+              </a:solidFill>
+              <a:prstDash val="solid"/>
+              <a:round/>
+            </a:ln>
+          </p:spPr>
+          <p:txBody>
+            <a:bodyPr/>
+            <a:lstStyle/>
+            <a:p>
+              <a:endParaRPr/>
+            </a:p>
+          </p:txBody>
+        </p:sp>
+        <p:sp>
+          <p:nvSpPr>
+            <p:cNvPr id="81" name="pl81"/>
+            <p:cNvSpPr/>
+            <p:nvPr/>
+          </p:nvSpPr>
+          <p:spPr>
+            <a:xfrm>
+              <a:off x="9980561" y="4382863"/>
+              <a:ext cx="426298" cy="1080689"/>
+            </a:xfrm>
+            <a:custGeom>
+              <a:avLst/>
+              <a:gdLst/>
+              <a:ahLst/>
+              <a:cxnLst/>
+              <a:rect l="0" t="0" r="0" b="0"/>
+              <a:pathLst>
+                <a:path w="426298" h="1080689">
+                  <a:moveTo>
+                    <a:pt x="0" y="1080689"/>
+                  </a:moveTo>
+                  <a:lnTo>
+                    <a:pt x="426298" y="0"/>
+                  </a:lnTo>
+                </a:path>
+              </a:pathLst>
+            </a:custGeom>
+            <a:ln w="9525" cap="rnd">
+              <a:solidFill>
+                <a:srgbClr val="008B00">
+                  <a:alpha val="100000"/>
+                </a:srgbClr>
+              </a:solidFill>
+              <a:prstDash val="solid"/>
+              <a:round/>
+            </a:ln>
+          </p:spPr>
+          <p:txBody>
+            <a:bodyPr/>
+            <a:lstStyle/>
+            <a:p>
+              <a:endParaRPr/>
+            </a:p>
+          </p:txBody>
+        </p:sp>
+        <p:sp>
+          <p:nvSpPr>
+            <p:cNvPr id="82" name="pl82"/>
+            <p:cNvSpPr/>
+            <p:nvPr/>
+          </p:nvSpPr>
+          <p:spPr>
+            <a:xfrm>
+              <a:off x="10525675" y="4139629"/>
+              <a:ext cx="322883" cy="125130"/>
+            </a:xfrm>
+            <a:custGeom>
+              <a:avLst/>
+              <a:gdLst/>
+              <a:ahLst/>
+              <a:cxnLst/>
+              <a:rect l="0" t="0" r="0" b="0"/>
+              <a:pathLst>
+                <a:path w="322883" h="125130">
+                  <a:moveTo>
+                    <a:pt x="0" y="125130"/>
+                  </a:moveTo>
+                  <a:lnTo>
+                    <a:pt x="322883" y="0"/>
+                  </a:lnTo>
+                </a:path>
+              </a:pathLst>
+            </a:custGeom>
+            <a:ln w="9525" cap="rnd">
+              <a:solidFill>
+                <a:srgbClr val="008B00">
+                  <a:alpha val="100000"/>
+                </a:srgbClr>
+              </a:solidFill>
+              <a:prstDash val="solid"/>
+              <a:round/>
+            </a:ln>
+          </p:spPr>
+          <p:txBody>
+            <a:bodyPr/>
+            <a:lstStyle/>
+            <a:p>
+              <a:endParaRPr/>
+            </a:p>
+          </p:txBody>
+        </p:sp>
+        <p:sp>
+          <p:nvSpPr>
+            <p:cNvPr id="83" name="pl83"/>
+            <p:cNvSpPr/>
+            <p:nvPr/>
+          </p:nvSpPr>
+          <p:spPr>
+            <a:xfrm>
+              <a:off x="10988544" y="4179843"/>
+              <a:ext cx="383957" cy="513980"/>
+            </a:xfrm>
+            <a:custGeom>
+              <a:avLst/>
+              <a:gdLst/>
+              <a:ahLst/>
+              <a:cxnLst/>
+              <a:rect l="0" t="0" r="0" b="0"/>
+              <a:pathLst>
+                <a:path w="383957" h="513980">
+                  <a:moveTo>
+                    <a:pt x="0" y="0"/>
+                  </a:moveTo>
+                  <a:lnTo>
+                    <a:pt x="383957" y="513980"/>
+                  </a:lnTo>
+                </a:path>
+              </a:pathLst>
+            </a:custGeom>
+            <a:ln w="9525" cap="rnd">
+              <a:solidFill>
+                <a:srgbClr val="008B00">
+                  <a:alpha val="100000"/>
+                </a:srgbClr>
+              </a:solidFill>
+              <a:prstDash val="solid"/>
+              <a:round/>
+            </a:ln>
+          </p:spPr>
+          <p:txBody>
+            <a:bodyPr/>
+            <a:lstStyle/>
+            <a:p>
+              <a:endParaRPr/>
+            </a:p>
+          </p:txBody>
+        </p:sp>
+        <p:sp>
+          <p:nvSpPr>
+            <p:cNvPr id="84" name="pl84"/>
+            <p:cNvSpPr/>
+            <p:nvPr/>
+          </p:nvSpPr>
+          <p:spPr>
+            <a:xfrm>
+              <a:off x="11464337" y="4850650"/>
+              <a:ext cx="419183" cy="943946"/>
+            </a:xfrm>
+            <a:custGeom>
+              <a:avLst/>
+              <a:gdLst/>
+              <a:ahLst/>
+              <a:cxnLst/>
+              <a:rect l="0" t="0" r="0" b="0"/>
+              <a:pathLst>
+                <a:path w="419183" h="943946">
+                  <a:moveTo>
+                    <a:pt x="0" y="0"/>
+                  </a:moveTo>
+                  <a:lnTo>
+                    <a:pt x="419183" y="943946"/>
+                  </a:lnTo>
+                </a:path>
+              </a:pathLst>
+            </a:custGeom>
+            <a:ln w="9525" cap="rnd">
+              <a:solidFill>
+                <a:srgbClr val="008B00">
+                  <a:alpha val="100000"/>
+                </a:srgbClr>
+              </a:solidFill>
+              <a:prstDash val="solid"/>
+              <a:round/>
+            </a:ln>
+          </p:spPr>
+          <p:txBody>
+            <a:bodyPr/>
+            <a:lstStyle/>
+            <a:p>
+              <a:endParaRPr/>
+            </a:p>
+          </p:txBody>
+        </p:sp>
+        <p:sp>
+          <p:nvSpPr>
+            <p:cNvPr id="85" name="pl85"/>
+            <p:cNvSpPr/>
+            <p:nvPr/>
+          </p:nvSpPr>
+          <p:spPr>
+            <a:xfrm>
+              <a:off x="11998078" y="5617056"/>
+              <a:ext cx="338514" cy="212495"/>
+            </a:xfrm>
+            <a:custGeom>
+              <a:avLst/>
+              <a:gdLst/>
+              <a:ahLst/>
+              <a:cxnLst/>
+              <a:rect l="0" t="0" r="0" b="0"/>
+              <a:pathLst>
+                <a:path w="338514" h="212495">
+                  <a:moveTo>
+                    <a:pt x="0" y="212495"/>
+                  </a:moveTo>
+                  <a:lnTo>
+                    <a:pt x="338514" y="0"/>
+                  </a:lnTo>
+                </a:path>
+              </a:pathLst>
+            </a:custGeom>
+            <a:ln w="9525" cap="rnd">
+              <a:solidFill>
+                <a:srgbClr val="008B00">
+                  <a:alpha val="100000"/>
+                </a:srgbClr>
+              </a:solidFill>
+              <a:prstDash val="solid"/>
+              <a:round/>
+            </a:ln>
+          </p:spPr>
+          <p:txBody>
+            <a:bodyPr/>
+            <a:lstStyle/>
+            <a:p>
+              <a:endParaRPr/>
+            </a:p>
+          </p:txBody>
+        </p:sp>
+        <p:sp>
+          <p:nvSpPr>
+            <p:cNvPr id="86" name="pt86"/>
+            <p:cNvSpPr/>
+            <p:nvPr/>
+          </p:nvSpPr>
+          <p:spPr>
+            <a:xfrm>
+              <a:off x="3005031" y="5590123"/>
+              <a:ext cx="68580" cy="68580"/>
+            </a:xfrm>
+            <a:prstGeom prst="ellipse">
+              <a:avLst/>
+            </a:prstGeom>
+            <a:solidFill>
+              <a:srgbClr val="008B00">
+                <a:alpha val="100000"/>
+              </a:srgbClr>
+            </a:solidFill>
+          </p:spPr>
+          <p:txBody>
+            <a:bodyPr/>
+            <a:lstStyle/>
+            <a:p>
+              <a:endParaRPr/>
+            </a:p>
+          </p:txBody>
+        </p:sp>
+        <p:sp>
+          <p:nvSpPr>
+            <p:cNvPr id="87" name="pt87"/>
+            <p:cNvSpPr/>
+            <p:nvPr/>
+          </p:nvSpPr>
+          <p:spPr>
+            <a:xfrm>
+              <a:off x="3498437" y="4902814"/>
+              <a:ext cx="68580" cy="68580"/>
+            </a:xfrm>
+            <a:prstGeom prst="ellipse">
+              <a:avLst/>
+            </a:prstGeom>
+            <a:solidFill>
+              <a:srgbClr val="008B00">
+                <a:alpha val="100000"/>
+              </a:srgbClr>
+            </a:solidFill>
+          </p:spPr>
+          <p:txBody>
+            <a:bodyPr/>
+            <a:lstStyle/>
+            <a:p>
+              <a:endParaRPr/>
+            </a:p>
+          </p:txBody>
+        </p:sp>
+        <p:sp>
+          <p:nvSpPr>
+            <p:cNvPr id="88" name="pt88"/>
+            <p:cNvSpPr/>
+            <p:nvPr/>
+          </p:nvSpPr>
+          <p:spPr>
+            <a:xfrm>
+              <a:off x="3991843" y="4863049"/>
+              <a:ext cx="68580" cy="68580"/>
+            </a:xfrm>
+            <a:prstGeom prst="ellipse">
+              <a:avLst/>
+            </a:prstGeom>
+            <a:solidFill>
+              <a:srgbClr val="008B00">
+                <a:alpha val="100000"/>
+              </a:srgbClr>
+            </a:solidFill>
+          </p:spPr>
+          <p:txBody>
+            <a:bodyPr/>
+            <a:lstStyle/>
+            <a:p>
+              <a:endParaRPr/>
+            </a:p>
+          </p:txBody>
+        </p:sp>
+        <p:sp>
+          <p:nvSpPr>
+            <p:cNvPr id="89" name="pt89"/>
+            <p:cNvSpPr/>
+            <p:nvPr/>
+          </p:nvSpPr>
+          <p:spPr>
+            <a:xfrm>
+              <a:off x="4485250" y="4251049"/>
+              <a:ext cx="68580" cy="68580"/>
+            </a:xfrm>
+            <a:prstGeom prst="ellipse">
+              <a:avLst/>
+            </a:prstGeom>
+            <a:solidFill>
+              <a:srgbClr val="008B00">
+                <a:alpha val="100000"/>
+              </a:srgbClr>
+            </a:solidFill>
+          </p:spPr>
+          <p:txBody>
+            <a:bodyPr/>
+            <a:lstStyle/>
+            <a:p>
+              <a:endParaRPr/>
+            </a:p>
+          </p:txBody>
+        </p:sp>
+        <p:sp>
+          <p:nvSpPr>
+            <p:cNvPr id="90" name="pt90"/>
+            <p:cNvSpPr/>
+            <p:nvPr/>
+          </p:nvSpPr>
+          <p:spPr>
+            <a:xfrm>
+              <a:off x="4978656" y="5979851"/>
+              <a:ext cx="68580" cy="68580"/>
+            </a:xfrm>
+            <a:prstGeom prst="ellipse">
+              <a:avLst/>
+            </a:prstGeom>
+            <a:solidFill>
+              <a:srgbClr val="008B00">
+                <a:alpha val="100000"/>
+              </a:srgbClr>
+            </a:solidFill>
+          </p:spPr>
+          <p:txBody>
+            <a:bodyPr/>
+            <a:lstStyle/>
+            <a:p>
+              <a:endParaRPr/>
+            </a:p>
+          </p:txBody>
+        </p:sp>
+        <p:sp>
+          <p:nvSpPr>
+            <p:cNvPr id="91" name="pt91"/>
+            <p:cNvSpPr/>
+            <p:nvPr/>
+          </p:nvSpPr>
+          <p:spPr>
+            <a:xfrm>
+              <a:off x="5472062" y="5509273"/>
+              <a:ext cx="68580" cy="68580"/>
+            </a:xfrm>
+            <a:prstGeom prst="ellipse">
+              <a:avLst/>
+            </a:prstGeom>
+            <a:solidFill>
+              <a:srgbClr val="008B00">
+                <a:alpha val="100000"/>
+              </a:srgbClr>
+            </a:solidFill>
+          </p:spPr>
+          <p:txBody>
+            <a:bodyPr/>
+            <a:lstStyle/>
+            <a:p>
+              <a:endParaRPr/>
+            </a:p>
+          </p:txBody>
+        </p:sp>
+        <p:sp>
+          <p:nvSpPr>
+            <p:cNvPr id="92" name="pt92"/>
+            <p:cNvSpPr/>
+            <p:nvPr/>
+          </p:nvSpPr>
+          <p:spPr>
+            <a:xfrm>
+              <a:off x="5965468" y="4339501"/>
+              <a:ext cx="68580" cy="68580"/>
+            </a:xfrm>
+            <a:prstGeom prst="ellipse">
+              <a:avLst/>
+            </a:prstGeom>
+            <a:solidFill>
+              <a:srgbClr val="008B00">
+                <a:alpha val="100000"/>
+              </a:srgbClr>
+            </a:solidFill>
+          </p:spPr>
+          <p:txBody>
+            <a:bodyPr/>
+            <a:lstStyle/>
+            <a:p>
+              <a:endParaRPr/>
+            </a:p>
+          </p:txBody>
+        </p:sp>
+        <p:sp>
+          <p:nvSpPr>
+            <p:cNvPr id="93" name="pt93"/>
+            <p:cNvSpPr/>
+            <p:nvPr/>
+          </p:nvSpPr>
+          <p:spPr>
+            <a:xfrm>
+              <a:off x="6458874" y="6302996"/>
+              <a:ext cx="68580" cy="68580"/>
+            </a:xfrm>
+            <a:prstGeom prst="ellipse">
+              <a:avLst/>
+            </a:prstGeom>
+            <a:solidFill>
+              <a:srgbClr val="008B00">
+                <a:alpha val="100000"/>
+              </a:srgbClr>
+            </a:solidFill>
+          </p:spPr>
+          <p:txBody>
+            <a:bodyPr/>
+            <a:lstStyle/>
+            <a:p>
+              <a:endParaRPr/>
+            </a:p>
+          </p:txBody>
+        </p:sp>
+        <p:sp>
+          <p:nvSpPr>
+            <p:cNvPr id="94" name="pt94"/>
+            <p:cNvSpPr/>
+            <p:nvPr/>
+          </p:nvSpPr>
+          <p:spPr>
+            <a:xfrm>
+              <a:off x="6952280" y="5658345"/>
+              <a:ext cx="68580" cy="68580"/>
+            </a:xfrm>
+            <a:prstGeom prst="ellipse">
+              <a:avLst/>
+            </a:prstGeom>
+            <a:solidFill>
+              <a:srgbClr val="008B00">
+                <a:alpha val="100000"/>
+              </a:srgbClr>
+            </a:solidFill>
+          </p:spPr>
+          <p:txBody>
+            <a:bodyPr/>
+            <a:lstStyle/>
+            <a:p>
+              <a:endParaRPr/>
+            </a:p>
+          </p:txBody>
+        </p:sp>
+        <p:sp>
+          <p:nvSpPr>
+            <p:cNvPr id="95" name="pt95"/>
+            <p:cNvSpPr/>
+            <p:nvPr/>
+          </p:nvSpPr>
+          <p:spPr>
+            <a:xfrm>
+              <a:off x="7445686" y="3824201"/>
+              <a:ext cx="68580" cy="68580"/>
+            </a:xfrm>
+            <a:prstGeom prst="ellipse">
+              <a:avLst/>
+            </a:prstGeom>
+            <a:solidFill>
+              <a:srgbClr val="008B00">
+                <a:alpha val="100000"/>
+              </a:srgbClr>
+            </a:solidFill>
+          </p:spPr>
+          <p:txBody>
+            <a:bodyPr/>
+            <a:lstStyle/>
+            <a:p>
+              <a:endParaRPr/>
+            </a:p>
+          </p:txBody>
+        </p:sp>
+        <p:sp>
+          <p:nvSpPr>
+            <p:cNvPr id="96" name="pt96"/>
+            <p:cNvSpPr/>
+            <p:nvPr/>
+          </p:nvSpPr>
+          <p:spPr>
+            <a:xfrm>
+              <a:off x="7939093" y="5919916"/>
+              <a:ext cx="68580" cy="68580"/>
+            </a:xfrm>
+            <a:prstGeom prst="ellipse">
+              <a:avLst/>
+            </a:prstGeom>
+            <a:solidFill>
+              <a:srgbClr val="008B00">
+                <a:alpha val="100000"/>
+              </a:srgbClr>
+            </a:solidFill>
+          </p:spPr>
+          <p:txBody>
+            <a:bodyPr/>
+            <a:lstStyle/>
+            <a:p>
+              <a:endParaRPr/>
+            </a:p>
+          </p:txBody>
+        </p:sp>
+        <p:sp>
+          <p:nvSpPr>
+            <p:cNvPr id="97" name="pt97"/>
+            <p:cNvSpPr/>
+            <p:nvPr/>
+          </p:nvSpPr>
+          <p:spPr>
+            <a:xfrm>
+              <a:off x="8432499" y="3361181"/>
+              <a:ext cx="68580" cy="68580"/>
+            </a:xfrm>
+            <a:prstGeom prst="ellipse">
+              <a:avLst/>
+            </a:prstGeom>
+            <a:solidFill>
+              <a:srgbClr val="008B00">
+                <a:alpha val="100000"/>
+              </a:srgbClr>
+            </a:solidFill>
+          </p:spPr>
+          <p:txBody>
+            <a:bodyPr/>
+            <a:lstStyle/>
+            <a:p>
+              <a:endParaRPr/>
+            </a:p>
+          </p:txBody>
+        </p:sp>
+        <p:sp>
+          <p:nvSpPr>
+            <p:cNvPr id="98" name="pt98"/>
+            <p:cNvSpPr/>
+            <p:nvPr/>
+          </p:nvSpPr>
+          <p:spPr>
+            <a:xfrm>
+              <a:off x="8925905" y="6401488"/>
+              <a:ext cx="68580" cy="68580"/>
+            </a:xfrm>
+            <a:prstGeom prst="ellipse">
+              <a:avLst/>
+            </a:prstGeom>
+            <a:solidFill>
+              <a:srgbClr val="008B00">
+                <a:alpha val="100000"/>
+              </a:srgbClr>
+            </a:solidFill>
+          </p:spPr>
+          <p:txBody>
+            <a:bodyPr/>
+            <a:lstStyle/>
+            <a:p>
+              <a:endParaRPr/>
+            </a:p>
+          </p:txBody>
+        </p:sp>
+        <p:sp>
+          <p:nvSpPr>
+            <p:cNvPr id="99" name="pt99"/>
+            <p:cNvSpPr/>
+            <p:nvPr/>
+          </p:nvSpPr>
+          <p:spPr>
+            <a:xfrm>
+              <a:off x="9419311" y="5560204"/>
+              <a:ext cx="68580" cy="68580"/>
+            </a:xfrm>
+            <a:prstGeom prst="ellipse">
+              <a:avLst/>
+            </a:prstGeom>
+            <a:solidFill>
+              <a:srgbClr val="008B00">
+                <a:alpha val="100000"/>
+              </a:srgbClr>
+            </a:solidFill>
+          </p:spPr>
+          <p:txBody>
+            <a:bodyPr/>
+            <a:lstStyle/>
+            <a:p>
+              <a:endParaRPr/>
+            </a:p>
+          </p:txBody>
+        </p:sp>
+        <p:sp>
+          <p:nvSpPr>
+            <p:cNvPr id="100" name="pt100"/>
+            <p:cNvSpPr/>
+            <p:nvPr/>
+          </p:nvSpPr>
+          <p:spPr>
+            <a:xfrm>
+              <a:off x="9912717" y="5514323"/>
+              <a:ext cx="68580" cy="68580"/>
+            </a:xfrm>
+            <a:prstGeom prst="ellipse">
+              <a:avLst/>
+            </a:prstGeom>
+            <a:solidFill>
+              <a:srgbClr val="008B00">
+                <a:alpha val="100000"/>
+              </a:srgbClr>
+            </a:solidFill>
+          </p:spPr>
+          <p:txBody>
+            <a:bodyPr/>
+            <a:lstStyle/>
+            <a:p>
+              <a:endParaRPr/>
+            </a:p>
+          </p:txBody>
+        </p:sp>
+        <p:sp>
+          <p:nvSpPr>
+            <p:cNvPr id="101" name="pt101"/>
+            <p:cNvSpPr/>
+            <p:nvPr/>
+          </p:nvSpPr>
+          <p:spPr>
+            <a:xfrm>
+              <a:off x="10406123" y="4263511"/>
+              <a:ext cx="68580" cy="68580"/>
+            </a:xfrm>
+            <a:prstGeom prst="ellipse">
+              <a:avLst/>
+            </a:prstGeom>
+            <a:solidFill>
+              <a:srgbClr val="008B00">
+                <a:alpha val="100000"/>
+              </a:srgbClr>
+            </a:solidFill>
+          </p:spPr>
+          <p:txBody>
+            <a:bodyPr/>
+            <a:lstStyle/>
+            <a:p>
+              <a:endParaRPr/>
+            </a:p>
+          </p:txBody>
+        </p:sp>
+        <p:sp>
+          <p:nvSpPr>
+            <p:cNvPr id="102" name="pt102"/>
+            <p:cNvSpPr/>
+            <p:nvPr/>
+          </p:nvSpPr>
+          <p:spPr>
+            <a:xfrm>
+              <a:off x="10899529" y="4072296"/>
+              <a:ext cx="68580" cy="68580"/>
+            </a:xfrm>
+            <a:prstGeom prst="ellipse">
+              <a:avLst/>
+            </a:prstGeom>
+            <a:solidFill>
+              <a:srgbClr val="008B00">
+                <a:alpha val="100000"/>
+              </a:srgbClr>
+            </a:solidFill>
+          </p:spPr>
+          <p:txBody>
+            <a:bodyPr/>
+            <a:lstStyle/>
+            <a:p>
+              <a:endParaRPr/>
+            </a:p>
+          </p:txBody>
+        </p:sp>
+        <p:sp>
+          <p:nvSpPr>
+            <p:cNvPr id="103" name="pt103"/>
+            <p:cNvSpPr/>
+            <p:nvPr/>
+          </p:nvSpPr>
+          <p:spPr>
+            <a:xfrm>
+              <a:off x="11392936" y="4732789"/>
+              <a:ext cx="68580" cy="68580"/>
+            </a:xfrm>
+            <a:prstGeom prst="ellipse">
+              <a:avLst/>
+            </a:prstGeom>
+            <a:solidFill>
+              <a:srgbClr val="008B00">
+                <a:alpha val="100000"/>
+              </a:srgbClr>
+            </a:solidFill>
+          </p:spPr>
+          <p:txBody>
+            <a:bodyPr/>
+            <a:lstStyle/>
+            <a:p>
+              <a:endParaRPr/>
+            </a:p>
+          </p:txBody>
+        </p:sp>
+        <p:sp>
+          <p:nvSpPr>
+            <p:cNvPr id="104" name="pt104"/>
+            <p:cNvSpPr/>
+            <p:nvPr/>
+          </p:nvSpPr>
+          <p:spPr>
+            <a:xfrm>
+              <a:off x="11886342" y="5843876"/>
+              <a:ext cx="68580" cy="68580"/>
+            </a:xfrm>
+            <a:prstGeom prst="ellipse">
+              <a:avLst/>
+            </a:prstGeom>
+            <a:solidFill>
+              <a:srgbClr val="008B00">
+                <a:alpha val="100000"/>
+              </a:srgbClr>
+            </a:solidFill>
+          </p:spPr>
+          <p:txBody>
+            <a:bodyPr/>
+            <a:lstStyle/>
+            <a:p>
+              <a:endParaRPr/>
+            </a:p>
+          </p:txBody>
+        </p:sp>
+        <p:sp>
+          <p:nvSpPr>
+            <p:cNvPr id="105" name="pt105"/>
+            <p:cNvSpPr/>
+            <p:nvPr/>
+          </p:nvSpPr>
+          <p:spPr>
+            <a:xfrm>
+              <a:off x="12379748" y="5534151"/>
+              <a:ext cx="68580" cy="68580"/>
+            </a:xfrm>
+            <a:prstGeom prst="ellipse">
+              <a:avLst/>
+            </a:prstGeom>
+            <a:solidFill>
+              <a:srgbClr val="008B00">
+                <a:alpha val="100000"/>
+              </a:srgbClr>
+            </a:solidFill>
+          </p:spPr>
+          <p:txBody>
+            <a:bodyPr/>
+            <a:lstStyle/>
+            <a:p>
+              <a:endParaRPr/>
+            </a:p>
+          </p:txBody>
+        </p:sp>
+        <p:sp>
+          <p:nvSpPr>
+            <p:cNvPr id="106" name="pl106"/>
+            <p:cNvSpPr/>
+            <p:nvPr/>
+          </p:nvSpPr>
+          <p:spPr>
+            <a:xfrm>
+              <a:off x="3098577" y="5112566"/>
+              <a:ext cx="374894" cy="440604"/>
+            </a:xfrm>
+            <a:custGeom>
+              <a:avLst/>
+              <a:gdLst/>
+              <a:ahLst/>
+              <a:cxnLst/>
+              <a:rect l="0" t="0" r="0" b="0"/>
+              <a:pathLst>
+                <a:path w="374894" h="440604">
+                  <a:moveTo>
+                    <a:pt x="0" y="440604"/>
+                  </a:moveTo>
+                  <a:lnTo>
+                    <a:pt x="374894" y="0"/>
+                  </a:lnTo>
+                </a:path>
+              </a:pathLst>
+            </a:custGeom>
+            <a:ln w="9525" cap="rnd">
+              <a:solidFill>
+                <a:srgbClr val="EE0000">
+                  <a:alpha val="100000"/>
+                </a:srgbClr>
+              </a:solidFill>
+              <a:prstDash val="solid"/>
+              <a:round/>
+            </a:ln>
+          </p:spPr>
+          <p:txBody>
+            <a:bodyPr/>
+            <a:lstStyle/>
+            <a:p>
+              <a:endParaRPr/>
+            </a:p>
+          </p:txBody>
+        </p:sp>
+        <p:sp>
+          <p:nvSpPr>
+            <p:cNvPr id="107" name="pl107"/>
+            <p:cNvSpPr/>
+            <p:nvPr/>
+          </p:nvSpPr>
+          <p:spPr>
+            <a:xfrm>
+              <a:off x="3623340" y="4988358"/>
+              <a:ext cx="312181" cy="42290"/>
+            </a:xfrm>
+            <a:custGeom>
+              <a:avLst/>
+              <a:gdLst/>
+              <a:ahLst/>
+              <a:cxnLst/>
+              <a:rect l="0" t="0" r="0" b="0"/>
+              <a:pathLst>
+                <a:path w="312181" h="42290">
+                  <a:moveTo>
+                    <a:pt x="0" y="42290"/>
+                  </a:moveTo>
+                  <a:lnTo>
+                    <a:pt x="312181" y="0"/>
+                  </a:lnTo>
+                </a:path>
+              </a:pathLst>
+            </a:custGeom>
+            <a:ln w="9525" cap="rnd">
+              <a:solidFill>
+                <a:srgbClr val="EE0000">
+                  <a:alpha val="100000"/>
+                </a:srgbClr>
+              </a:solidFill>
+              <a:prstDash val="solid"/>
+              <a:round/>
+            </a:ln>
+          </p:spPr>
+          <p:txBody>
+            <a:bodyPr/>
+            <a:lstStyle/>
+            <a:p>
+              <a:endParaRPr/>
+            </a:p>
+          </p:txBody>
+        </p:sp>
+        <p:sp>
+          <p:nvSpPr>
+            <p:cNvPr id="108" name="pl108"/>
+            <p:cNvSpPr/>
+            <p:nvPr/>
+          </p:nvSpPr>
+          <p:spPr>
+            <a:xfrm>
+              <a:off x="4085823" y="4472750"/>
+              <a:ext cx="374026" cy="434062"/>
+            </a:xfrm>
+            <a:custGeom>
+              <a:avLst/>
+              <a:gdLst/>
+              <a:ahLst/>
+              <a:cxnLst/>
+              <a:rect l="0" t="0" r="0" b="0"/>
+              <a:pathLst>
+                <a:path w="374026" h="434062">
+                  <a:moveTo>
+                    <a:pt x="0" y="434062"/>
+                  </a:moveTo>
+                  <a:lnTo>
+                    <a:pt x="374026" y="0"/>
+                  </a:lnTo>
+                </a:path>
+              </a:pathLst>
+            </a:custGeom>
+            <a:ln w="9525" cap="rnd">
+              <a:solidFill>
+                <a:srgbClr val="EE0000">
+                  <a:alpha val="100000"/>
+                </a:srgbClr>
+              </a:solidFill>
+              <a:prstDash val="solid"/>
+              <a:round/>
+            </a:ln>
+          </p:spPr>
+          <p:txBody>
+            <a:bodyPr/>
+            <a:lstStyle/>
+            <a:p>
+              <a:endParaRPr/>
+            </a:p>
+          </p:txBody>
+        </p:sp>
+        <p:sp>
+          <p:nvSpPr>
+            <p:cNvPr id="109" name="pl109"/>
+            <p:cNvSpPr/>
+            <p:nvPr/>
+          </p:nvSpPr>
+          <p:spPr>
+            <a:xfrm>
+              <a:off x="4548647" y="4490163"/>
+              <a:ext cx="435191" cy="1296035"/>
+            </a:xfrm>
+            <a:custGeom>
+              <a:avLst/>
+              <a:gdLst/>
+              <a:ahLst/>
+              <a:cxnLst/>
+              <a:rect l="0" t="0" r="0" b="0"/>
+              <a:pathLst>
+                <a:path w="435191" h="1296035">
+                  <a:moveTo>
+                    <a:pt x="0" y="0"/>
+                  </a:moveTo>
+                  <a:lnTo>
+                    <a:pt x="435191" y="1296035"/>
+                  </a:lnTo>
+                </a:path>
+              </a:pathLst>
+            </a:custGeom>
+            <a:ln w="9525" cap="rnd">
+              <a:solidFill>
+                <a:srgbClr val="EE0000">
+                  <a:alpha val="100000"/>
+                </a:srgbClr>
+              </a:solidFill>
+              <a:prstDash val="solid"/>
+              <a:round/>
+            </a:ln>
+          </p:spPr>
+          <p:txBody>
+            <a:bodyPr/>
+            <a:lstStyle/>
+            <a:p>
+              <a:endParaRPr/>
+            </a:p>
+          </p:txBody>
+        </p:sp>
+        <p:sp>
+          <p:nvSpPr>
+            <p:cNvPr id="110" name="pl110"/>
+            <p:cNvSpPr/>
+            <p:nvPr/>
+          </p:nvSpPr>
+          <p:spPr>
+            <a:xfrm>
+              <a:off x="5088436" y="5587225"/>
+              <a:ext cx="342425" cy="234057"/>
+            </a:xfrm>
+            <a:custGeom>
+              <a:avLst/>
+              <a:gdLst/>
+              <a:ahLst/>
+              <a:cxnLst/>
+              <a:rect l="0" t="0" r="0" b="0"/>
+              <a:pathLst>
+                <a:path w="342425" h="234057">
+                  <a:moveTo>
+                    <a:pt x="0" y="234057"/>
+                  </a:moveTo>
+                  <a:lnTo>
+                    <a:pt x="342425" y="0"/>
+                  </a:lnTo>
+                </a:path>
+              </a:pathLst>
+            </a:custGeom>
+            <a:ln w="9525" cap="rnd">
+              <a:solidFill>
+                <a:srgbClr val="EE0000">
+                  <a:alpha val="100000"/>
+                </a:srgbClr>
+              </a:solidFill>
+              <a:prstDash val="solid"/>
+              <a:round/>
+            </a:ln>
+          </p:spPr>
+          <p:txBody>
+            <a:bodyPr/>
+            <a:lstStyle/>
+            <a:p>
+              <a:endParaRPr/>
+            </a:p>
+          </p:txBody>
+        </p:sp>
+        <p:sp>
+          <p:nvSpPr>
+            <p:cNvPr id="111" name="pl111"/>
+            <p:cNvSpPr/>
+            <p:nvPr/>
+          </p:nvSpPr>
+          <p:spPr>
+            <a:xfrm>
+              <a:off x="5544787" y="4553486"/>
+              <a:ext cx="416535" cy="899169"/>
+            </a:xfrm>
+            <a:custGeom>
+              <a:avLst/>
+              <a:gdLst/>
+              <a:ahLst/>
+              <a:cxnLst/>
+              <a:rect l="0" t="0" r="0" b="0"/>
+              <a:pathLst>
+                <a:path w="416535" h="899169">
+                  <a:moveTo>
+                    <a:pt x="0" y="899169"/>
+                  </a:moveTo>
+                  <a:lnTo>
+                    <a:pt x="416535" y="0"/>
+                  </a:lnTo>
+                </a:path>
+              </a:pathLst>
+            </a:custGeom>
+            <a:ln w="9525" cap="rnd">
+              <a:solidFill>
+                <a:srgbClr val="EE0000">
+                  <a:alpha val="100000"/>
+                </a:srgbClr>
+              </a:solidFill>
+              <a:prstDash val="solid"/>
+              <a:round/>
+            </a:ln>
+          </p:spPr>
+          <p:txBody>
+            <a:bodyPr/>
+            <a:lstStyle/>
+            <a:p>
+              <a:endParaRPr/>
+            </a:p>
+          </p:txBody>
+        </p:sp>
+        <p:sp>
+          <p:nvSpPr>
+            <p:cNvPr id="112" name="pl112"/>
+            <p:cNvSpPr/>
+            <p:nvPr/>
+          </p:nvSpPr>
+          <p:spPr>
+            <a:xfrm>
+              <a:off x="6025475" y="4558266"/>
+              <a:ext cx="441971" cy="1508049"/>
+            </a:xfrm>
+            <a:custGeom>
+              <a:avLst/>
+              <a:gdLst/>
+              <a:ahLst/>
+              <a:cxnLst/>
+              <a:rect l="0" t="0" r="0" b="0"/>
+              <a:pathLst>
+                <a:path w="441971" h="1508049">
+                  <a:moveTo>
+                    <a:pt x="0" y="0"/>
+                  </a:moveTo>
+                  <a:lnTo>
+                    <a:pt x="441971" y="1508049"/>
+                  </a:lnTo>
+                </a:path>
+              </a:pathLst>
+            </a:custGeom>
+            <a:ln w="9525" cap="rnd">
+              <a:solidFill>
+                <a:srgbClr val="EE0000">
+                  <a:alpha val="100000"/>
+                </a:srgbClr>
+              </a:solidFill>
+              <a:prstDash val="solid"/>
+              <a:round/>
+            </a:ln>
+          </p:spPr>
+          <p:txBody>
+            <a:bodyPr/>
+            <a:lstStyle/>
+            <a:p>
+              <a:endParaRPr/>
+            </a:p>
+          </p:txBody>
+        </p:sp>
+        <p:sp>
+          <p:nvSpPr>
+            <p:cNvPr id="113" name="pl113"/>
+            <p:cNvSpPr/>
+            <p:nvPr/>
+          </p:nvSpPr>
+          <p:spPr>
+            <a:xfrm>
+              <a:off x="6558883" y="5740299"/>
+              <a:ext cx="361968" cy="350186"/>
+            </a:xfrm>
+            <a:custGeom>
+              <a:avLst/>
+              <a:gdLst/>
+              <a:ahLst/>
+              <a:cxnLst/>
+              <a:rect l="0" t="0" r="0" b="0"/>
+              <a:pathLst>
+                <a:path w="361968" h="350186">
+                  <a:moveTo>
+                    <a:pt x="0" y="350186"/>
+                  </a:moveTo>
+                  <a:lnTo>
+                    <a:pt x="361968" y="0"/>
+                  </a:lnTo>
+                </a:path>
+              </a:pathLst>
+            </a:custGeom>
+            <a:ln w="9525" cap="rnd">
+              <a:solidFill>
+                <a:srgbClr val="EE0000">
+                  <a:alpha val="100000"/>
+                </a:srgbClr>
+              </a:solidFill>
+              <a:prstDash val="solid"/>
+              <a:round/>
+            </a:ln>
+          </p:spPr>
+          <p:txBody>
+            <a:bodyPr/>
+            <a:lstStyle/>
+            <a:p>
+              <a:endParaRPr/>
+            </a:p>
+          </p:txBody>
+        </p:sp>
+        <p:sp>
+          <p:nvSpPr>
+            <p:cNvPr id="114" name="pl114"/>
+            <p:cNvSpPr/>
+            <p:nvPr/>
+          </p:nvSpPr>
+          <p:spPr>
+            <a:xfrm>
+              <a:off x="7015128" y="4262770"/>
+              <a:ext cx="436290" cy="1327083"/>
+            </a:xfrm>
+            <a:custGeom>
+              <a:avLst/>
+              <a:gdLst/>
+              <a:ahLst/>
+              <a:cxnLst/>
+              <a:rect l="0" t="0" r="0" b="0"/>
+              <a:pathLst>
+                <a:path w="436290" h="1327083">
+                  <a:moveTo>
+                    <a:pt x="0" y="1327083"/>
+                  </a:moveTo>
+                  <a:lnTo>
+                    <a:pt x="436290" y="0"/>
+                  </a:lnTo>
+                </a:path>
+              </a:pathLst>
+            </a:custGeom>
+            <a:ln w="9525" cap="rnd">
+              <a:solidFill>
+                <a:srgbClr val="EE0000">
+                  <a:alpha val="100000"/>
+                </a:srgbClr>
+              </a:solidFill>
+              <a:prstDash val="solid"/>
+              <a:round/>
+            </a:ln>
+          </p:spPr>
+          <p:txBody>
+            <a:bodyPr/>
+            <a:lstStyle/>
+            <a:p>
+              <a:endParaRPr/>
+            </a:p>
+          </p:txBody>
+        </p:sp>
+        <p:sp>
+          <p:nvSpPr>
+            <p:cNvPr id="115" name="pl115"/>
+            <p:cNvSpPr/>
+            <p:nvPr/>
+          </p:nvSpPr>
+          <p:spPr>
+            <a:xfrm>
+              <a:off x="7506499" y="4263413"/>
+              <a:ext cx="440361" cy="1452953"/>
+            </a:xfrm>
+            <a:custGeom>
+              <a:avLst/>
+              <a:gdLst/>
+              <a:ahLst/>
+              <a:cxnLst/>
+              <a:rect l="0" t="0" r="0" b="0"/>
+              <a:pathLst>
+                <a:path w="440361" h="1452953">
+                  <a:moveTo>
+                    <a:pt x="0" y="0"/>
+                  </a:moveTo>
+                  <a:lnTo>
+                    <a:pt x="440361" y="1452953"/>
+                  </a:lnTo>
+                </a:path>
+              </a:pathLst>
+            </a:custGeom>
+            <a:ln w="9525" cap="rnd">
+              <a:solidFill>
+                <a:srgbClr val="EE0000">
+                  <a:alpha val="100000"/>
+                </a:srgbClr>
+              </a:solidFill>
+              <a:prstDash val="solid"/>
+              <a:round/>
+            </a:ln>
+          </p:spPr>
+          <p:txBody>
+            <a:bodyPr/>
+            <a:lstStyle/>
+            <a:p>
+              <a:endParaRPr/>
+            </a:p>
+          </p:txBody>
+        </p:sp>
+        <p:sp>
+          <p:nvSpPr>
+            <p:cNvPr id="116" name="pl116"/>
+            <p:cNvSpPr/>
+            <p:nvPr/>
+          </p:nvSpPr>
+          <p:spPr>
+            <a:xfrm>
+              <a:off x="7994975" y="3862313"/>
+              <a:ext cx="450221" cy="1852709"/>
+            </a:xfrm>
+            <a:custGeom>
+              <a:avLst/>
+              <a:gdLst/>
+              <a:ahLst/>
+              <a:cxnLst/>
+              <a:rect l="0" t="0" r="0" b="0"/>
+              <a:pathLst>
+                <a:path w="450221" h="1852709">
+                  <a:moveTo>
+                    <a:pt x="0" y="1852709"/>
+                  </a:moveTo>
+                  <a:lnTo>
+                    <a:pt x="450221" y="0"/>
+                  </a:lnTo>
+                </a:path>
+              </a:pathLst>
+            </a:custGeom>
+            <a:ln w="9525" cap="rnd">
+              <a:solidFill>
+                <a:srgbClr val="EE0000">
+                  <a:alpha val="100000"/>
+                </a:srgbClr>
+              </a:solidFill>
+              <a:prstDash val="solid"/>
+              <a:round/>
+            </a:ln>
+          </p:spPr>
+          <p:txBody>
+            <a:bodyPr/>
+            <a:lstStyle/>
+            <a:p>
+              <a:endParaRPr/>
+            </a:p>
+          </p:txBody>
+        </p:sp>
+        <p:sp>
+          <p:nvSpPr>
+            <p:cNvPr id="117" name="pl117"/>
+            <p:cNvSpPr/>
+            <p:nvPr/>
+          </p:nvSpPr>
+          <p:spPr>
+            <a:xfrm>
+              <a:off x="8484523" y="3863162"/>
+              <a:ext cx="457937" cy="2316314"/>
+            </a:xfrm>
+            <a:custGeom>
+              <a:avLst/>
+              <a:gdLst/>
+              <a:ahLst/>
+              <a:cxnLst/>
+              <a:rect l="0" t="0" r="0" b="0"/>
+              <a:pathLst>
+                <a:path w="457937" h="2316314">
+                  <a:moveTo>
+                    <a:pt x="0" y="0"/>
+                  </a:moveTo>
+                  <a:lnTo>
+                    <a:pt x="457937" y="2316314"/>
+                  </a:lnTo>
+                </a:path>
+              </a:pathLst>
+            </a:custGeom>
+            <a:ln w="9525" cap="rnd">
+              <a:solidFill>
+                <a:srgbClr val="EE0000">
+                  <a:alpha val="100000"/>
+                </a:srgbClr>
+              </a:solidFill>
+              <a:prstDash val="solid"/>
+              <a:round/>
+            </a:ln>
+          </p:spPr>
+          <p:txBody>
+            <a:bodyPr/>
+            <a:lstStyle/>
+            <a:p>
+              <a:endParaRPr/>
+            </a:p>
+          </p:txBody>
+        </p:sp>
+        <p:sp>
+          <p:nvSpPr>
+            <p:cNvPr id="118" name="pl118"/>
+            <p:cNvSpPr/>
+            <p:nvPr/>
+          </p:nvSpPr>
+          <p:spPr>
+            <a:xfrm>
+              <a:off x="9008646" y="5557005"/>
+              <a:ext cx="396504" cy="634626"/>
+            </a:xfrm>
+            <a:custGeom>
+              <a:avLst/>
+              <a:gdLst/>
+              <a:ahLst/>
+              <a:cxnLst/>
+              <a:rect l="0" t="0" r="0" b="0"/>
+              <a:pathLst>
+                <a:path w="396504" h="634626">
+                  <a:moveTo>
+                    <a:pt x="0" y="634626"/>
+                  </a:moveTo>
+                  <a:lnTo>
+                    <a:pt x="396504" y="0"/>
+                  </a:lnTo>
+                </a:path>
+              </a:pathLst>
+            </a:custGeom>
+            <a:ln w="9525" cap="rnd">
+              <a:solidFill>
+                <a:srgbClr val="EE0000">
+                  <a:alpha val="100000"/>
+                </a:srgbClr>
+              </a:solidFill>
+              <a:prstDash val="solid"/>
+              <a:round/>
+            </a:ln>
+          </p:spPr>
+          <p:txBody>
+            <a:bodyPr/>
+            <a:lstStyle/>
+            <a:p>
+              <a:endParaRPr/>
+            </a:p>
+          </p:txBody>
+        </p:sp>
+        <p:sp>
+          <p:nvSpPr>
+            <p:cNvPr id="119" name="pl119"/>
+            <p:cNvSpPr/>
+            <p:nvPr/>
+          </p:nvSpPr>
+          <p:spPr>
+            <a:xfrm>
+              <a:off x="9544943" y="5460852"/>
+              <a:ext cx="310721" cy="14377"/>
+            </a:xfrm>
+            <a:custGeom>
+              <a:avLst/>
+              <a:gdLst/>
+              <a:ahLst/>
+              <a:cxnLst/>
+              <a:rect l="0" t="0" r="0" b="0"/>
+              <a:pathLst>
+                <a:path w="310721" h="14377">
+                  <a:moveTo>
+                    <a:pt x="0" y="14377"/>
+                  </a:moveTo>
+                  <a:lnTo>
+                    <a:pt x="310721" y="0"/>
+                  </a:lnTo>
+                </a:path>
+              </a:pathLst>
+            </a:custGeom>
+            <a:ln w="9525" cap="rnd">
+              <a:solidFill>
+                <a:srgbClr val="EE0000">
+                  <a:alpha val="100000"/>
+                </a:srgbClr>
+              </a:solidFill>
+              <a:prstDash val="solid"/>
+              <a:round/>
+            </a:ln>
+          </p:spPr>
+          <p:txBody>
+            <a:bodyPr/>
+            <a:lstStyle/>
+            <a:p>
+              <a:endParaRPr/>
+            </a:p>
+          </p:txBody>
+        </p:sp>
+        <p:sp>
+          <p:nvSpPr>
+            <p:cNvPr id="120" name="pl120"/>
+            <p:cNvSpPr/>
+            <p:nvPr/>
+          </p:nvSpPr>
+          <p:spPr>
+            <a:xfrm>
+              <a:off x="9987965" y="4553523"/>
+              <a:ext cx="411489" cy="821349"/>
+            </a:xfrm>
+            <a:custGeom>
+              <a:avLst/>
+              <a:gdLst/>
+              <a:ahLst/>
+              <a:cxnLst/>
+              <a:rect l="0" t="0" r="0" b="0"/>
+              <a:pathLst>
+                <a:path w="411489" h="821349">
+                  <a:moveTo>
+                    <a:pt x="0" y="821349"/>
+                  </a:moveTo>
+                  <a:lnTo>
+                    <a:pt x="411489" y="0"/>
+                  </a:lnTo>
+                </a:path>
+              </a:pathLst>
+            </a:custGeom>
+            <a:ln w="9525" cap="rnd">
+              <a:solidFill>
+                <a:srgbClr val="EE0000">
+                  <a:alpha val="100000"/>
+                </a:srgbClr>
+              </a:solidFill>
+              <a:prstDash val="solid"/>
+              <a:round/>
+            </a:ln>
+          </p:spPr>
+          <p:txBody>
+            <a:bodyPr/>
+            <a:lstStyle/>
+            <a:p>
+              <a:endParaRPr/>
+            </a:p>
+          </p:txBody>
+        </p:sp>
+        <p:sp>
+          <p:nvSpPr>
+            <p:cNvPr id="121" name="pl121"/>
+            <p:cNvSpPr/>
+            <p:nvPr/>
+          </p:nvSpPr>
+          <p:spPr>
+            <a:xfrm>
+              <a:off x="10531601" y="4441819"/>
+              <a:ext cx="311031" cy="23159"/>
+            </a:xfrm>
+            <a:custGeom>
+              <a:avLst/>
+              <a:gdLst/>
+              <a:ahLst/>
+              <a:cxnLst/>
+              <a:rect l="0" t="0" r="0" b="0"/>
+              <a:pathLst>
+                <a:path w="311031" h="23159">
+                  <a:moveTo>
+                    <a:pt x="0" y="23159"/>
+                  </a:moveTo>
+                  <a:lnTo>
+                    <a:pt x="311031" y="0"/>
+                  </a:lnTo>
+                </a:path>
+              </a:pathLst>
+            </a:custGeom>
+            <a:ln w="9525" cap="rnd">
+              <a:solidFill>
+                <a:srgbClr val="EE0000">
+                  <a:alpha val="100000"/>
+                </a:srgbClr>
+              </a:solidFill>
+              <a:prstDash val="solid"/>
+              <a:round/>
+            </a:ln>
+          </p:spPr>
+          <p:txBody>
+            <a:bodyPr/>
+            <a:lstStyle/>
+            <a:p>
+              <a:endParaRPr/>
+            </a:p>
+          </p:txBody>
+        </p:sp>
+        <p:sp>
+          <p:nvSpPr>
+            <p:cNvPr id="122" name="pl122"/>
+            <p:cNvSpPr/>
+            <p:nvPr/>
+          </p:nvSpPr>
+          <p:spPr>
+            <a:xfrm>
+              <a:off x="11002744" y="4495118"/>
+              <a:ext cx="355556" cy="309973"/>
+            </a:xfrm>
+            <a:custGeom>
+              <a:avLst/>
+              <a:gdLst/>
+              <a:ahLst/>
+              <a:cxnLst/>
+              <a:rect l="0" t="0" r="0" b="0"/>
+              <a:pathLst>
+                <a:path w="355556" h="309973">
+                  <a:moveTo>
+                    <a:pt x="0" y="0"/>
+                  </a:moveTo>
+                  <a:lnTo>
+                    <a:pt x="355556" y="309973"/>
+                  </a:lnTo>
+                </a:path>
+              </a:pathLst>
+            </a:custGeom>
+            <a:ln w="9525" cap="rnd">
+              <a:solidFill>
+                <a:srgbClr val="EE0000">
+                  <a:alpha val="100000"/>
+                </a:srgbClr>
+              </a:solidFill>
+              <a:prstDash val="solid"/>
+              <a:round/>
+            </a:ln>
+          </p:spPr>
+          <p:txBody>
+            <a:bodyPr/>
+            <a:lstStyle/>
+            <a:p>
+              <a:endParaRPr/>
+            </a:p>
+          </p:txBody>
+        </p:sp>
+        <p:sp>
+          <p:nvSpPr>
+            <p:cNvPr id="123" name="pl123"/>
+            <p:cNvSpPr/>
+            <p:nvPr/>
+          </p:nvSpPr>
+          <p:spPr>
+            <a:xfrm>
+              <a:off x="11473663" y="4943951"/>
+              <a:ext cx="400531" cy="679414"/>
+            </a:xfrm>
+            <a:custGeom>
+              <a:avLst/>
+              <a:gdLst/>
+              <a:ahLst/>
+              <a:cxnLst/>
+              <a:rect l="0" t="0" r="0" b="0"/>
+              <a:pathLst>
+                <a:path w="400531" h="679414">
+                  <a:moveTo>
+                    <a:pt x="0" y="0"/>
+                  </a:moveTo>
+                  <a:lnTo>
+                    <a:pt x="400531" y="679414"/>
+                  </a:lnTo>
+                </a:path>
+              </a:pathLst>
+            </a:custGeom>
+            <a:ln w="9525" cap="rnd">
+              <a:solidFill>
+                <a:srgbClr val="EE0000">
+                  <a:alpha val="100000"/>
+                </a:srgbClr>
+              </a:solidFill>
+              <a:prstDash val="solid"/>
+              <a:round/>
+            </a:ln>
+          </p:spPr>
+          <p:txBody>
+            <a:bodyPr/>
+            <a:lstStyle/>
+            <a:p>
+              <a:endParaRPr/>
+            </a:p>
+          </p:txBody>
+        </p:sp>
+        <p:sp>
+          <p:nvSpPr>
+            <p:cNvPr id="124" name="pl124"/>
+            <p:cNvSpPr/>
+            <p:nvPr/>
+          </p:nvSpPr>
+          <p:spPr>
+            <a:xfrm>
+              <a:off x="12003521" y="5510919"/>
+              <a:ext cx="327628" cy="152608"/>
+            </a:xfrm>
+            <a:custGeom>
+              <a:avLst/>
+              <a:gdLst/>
+              <a:ahLst/>
+              <a:cxnLst/>
+              <a:rect l="0" t="0" r="0" b="0"/>
+              <a:pathLst>
+                <a:path w="327628" h="152608">
+                  <a:moveTo>
+                    <a:pt x="0" y="152608"/>
+                  </a:moveTo>
+                  <a:lnTo>
+                    <a:pt x="327628" y="0"/>
+                  </a:lnTo>
+                </a:path>
+              </a:pathLst>
+            </a:custGeom>
+            <a:ln w="9525" cap="rnd">
+              <a:solidFill>
+                <a:srgbClr val="EE0000">
+                  <a:alpha val="100000"/>
+                </a:srgbClr>
+              </a:solidFill>
+              <a:prstDash val="solid"/>
+              <a:round/>
+            </a:ln>
+          </p:spPr>
+          <p:txBody>
+            <a:bodyPr/>
+            <a:lstStyle/>
+            <a:p>
+              <a:endParaRPr/>
+            </a:p>
+          </p:txBody>
+        </p:sp>
+        <p:sp>
+          <p:nvSpPr>
+            <p:cNvPr id="125" name="pt125"/>
+            <p:cNvSpPr/>
+            <p:nvPr/>
+          </p:nvSpPr>
+          <p:spPr>
+            <a:xfrm>
+              <a:off x="3005031" y="5588523"/>
+              <a:ext cx="68580" cy="68580"/>
+            </a:xfrm>
+            <a:prstGeom prst="ellipse">
+              <a:avLst/>
+            </a:prstGeom>
+            <a:solidFill>
+              <a:srgbClr val="EE0000">
+                <a:alpha val="100000"/>
+              </a:srgbClr>
+            </a:solidFill>
+          </p:spPr>
+          <p:txBody>
+            <a:bodyPr/>
+            <a:lstStyle/>
+            <a:p>
+              <a:endParaRPr/>
+            </a:p>
+          </p:txBody>
+        </p:sp>
+        <p:sp>
+          <p:nvSpPr>
+            <p:cNvPr id="126" name="pt126"/>
+            <p:cNvSpPr/>
+            <p:nvPr/>
+          </p:nvSpPr>
+          <p:spPr>
+            <a:xfrm>
+              <a:off x="3498437" y="5008634"/>
+              <a:ext cx="68580" cy="68580"/>
+            </a:xfrm>
+            <a:prstGeom prst="ellipse">
+              <a:avLst/>
+            </a:prstGeom>
+            <a:solidFill>
+              <a:srgbClr val="EE0000">
+                <a:alpha val="100000"/>
+              </a:srgbClr>
+            </a:solidFill>
+          </p:spPr>
+          <p:txBody>
+            <a:bodyPr/>
+            <a:lstStyle/>
+            <a:p>
+              <a:endParaRPr/>
+            </a:p>
+          </p:txBody>
+        </p:sp>
+        <p:sp>
+          <p:nvSpPr>
+            <p:cNvPr id="127" name="pt127"/>
+            <p:cNvSpPr/>
+            <p:nvPr/>
+          </p:nvSpPr>
+          <p:spPr>
+            <a:xfrm>
+              <a:off x="3991843" y="4941793"/>
+              <a:ext cx="68580" cy="68580"/>
+            </a:xfrm>
+            <a:prstGeom prst="ellipse">
+              <a:avLst/>
+            </a:prstGeom>
+            <a:solidFill>
+              <a:srgbClr val="EE0000">
+                <a:alpha val="100000"/>
+              </a:srgbClr>
+            </a:solidFill>
+          </p:spPr>
+          <p:txBody>
+            <a:bodyPr/>
+            <a:lstStyle/>
+            <a:p>
+              <a:endParaRPr/>
+            </a:p>
+          </p:txBody>
+        </p:sp>
+        <p:sp>
+          <p:nvSpPr>
+            <p:cNvPr id="128" name="pt128"/>
+            <p:cNvSpPr/>
+            <p:nvPr/>
+          </p:nvSpPr>
+          <p:spPr>
+            <a:xfrm>
+              <a:off x="4485250" y="4369190"/>
+              <a:ext cx="68580" cy="68580"/>
+            </a:xfrm>
+            <a:prstGeom prst="ellipse">
+              <a:avLst/>
+            </a:prstGeom>
+            <a:solidFill>
+              <a:srgbClr val="EE0000">
+                <a:alpha val="100000"/>
+              </a:srgbClr>
+            </a:solidFill>
+          </p:spPr>
+          <p:txBody>
+            <a:bodyPr/>
+            <a:lstStyle/>
+            <a:p>
+              <a:endParaRPr/>
+            </a:p>
+          </p:txBody>
+        </p:sp>
+        <p:sp>
+          <p:nvSpPr>
+            <p:cNvPr id="129" name="pt129"/>
+            <p:cNvSpPr/>
+            <p:nvPr/>
+          </p:nvSpPr>
+          <p:spPr>
+            <a:xfrm>
+              <a:off x="4978656" y="5838592"/>
+              <a:ext cx="68580" cy="68580"/>
+            </a:xfrm>
+            <a:prstGeom prst="ellipse">
+              <a:avLst/>
+            </a:prstGeom>
+            <a:solidFill>
+              <a:srgbClr val="EE0000">
+                <a:alpha val="100000"/>
+              </a:srgbClr>
+            </a:solidFill>
+          </p:spPr>
+          <p:txBody>
+            <a:bodyPr/>
+            <a:lstStyle/>
+            <a:p>
+              <a:endParaRPr/>
+            </a:p>
+          </p:txBody>
+        </p:sp>
+        <p:sp>
+          <p:nvSpPr>
+            <p:cNvPr id="130" name="pt130"/>
+            <p:cNvSpPr/>
+            <p:nvPr/>
+          </p:nvSpPr>
+          <p:spPr>
+            <a:xfrm>
+              <a:off x="5472062" y="5501336"/>
+              <a:ext cx="68580" cy="68580"/>
+            </a:xfrm>
+            <a:prstGeom prst="ellipse">
+              <a:avLst/>
+            </a:prstGeom>
+            <a:solidFill>
+              <a:srgbClr val="EE0000">
+                <a:alpha val="100000"/>
+              </a:srgbClr>
+            </a:solidFill>
+          </p:spPr>
+          <p:txBody>
+            <a:bodyPr/>
+            <a:lstStyle/>
+            <a:p>
+              <a:endParaRPr/>
+            </a:p>
+          </p:txBody>
+        </p:sp>
+        <p:sp>
+          <p:nvSpPr>
+            <p:cNvPr id="131" name="pt131"/>
+            <p:cNvSpPr/>
+            <p:nvPr/>
+          </p:nvSpPr>
+          <p:spPr>
+            <a:xfrm>
+              <a:off x="5965468" y="4436227"/>
+              <a:ext cx="68580" cy="68580"/>
+            </a:xfrm>
+            <a:prstGeom prst="ellipse">
+              <a:avLst/>
+            </a:prstGeom>
+            <a:solidFill>
+              <a:srgbClr val="EE0000">
+                <a:alpha val="100000"/>
+              </a:srgbClr>
+            </a:solidFill>
+          </p:spPr>
+          <p:txBody>
+            <a:bodyPr/>
+            <a:lstStyle/>
+            <a:p>
+              <a:endParaRPr/>
+            </a:p>
+          </p:txBody>
+        </p:sp>
+        <p:sp>
+          <p:nvSpPr>
+            <p:cNvPr id="132" name="pt132"/>
+            <p:cNvSpPr/>
+            <p:nvPr/>
+          </p:nvSpPr>
+          <p:spPr>
+            <a:xfrm>
+              <a:off x="6458874" y="6119775"/>
+              <a:ext cx="68580" cy="68580"/>
+            </a:xfrm>
+            <a:prstGeom prst="ellipse">
+              <a:avLst/>
+            </a:prstGeom>
+            <a:solidFill>
+              <a:srgbClr val="EE0000">
+                <a:alpha val="100000"/>
+              </a:srgbClr>
+            </a:solidFill>
+          </p:spPr>
+          <p:txBody>
+            <a:bodyPr/>
+            <a:lstStyle/>
+            <a:p>
+              <a:endParaRPr/>
+            </a:p>
+          </p:txBody>
+        </p:sp>
+        <p:sp>
+          <p:nvSpPr>
+            <p:cNvPr id="133" name="pt133"/>
+            <p:cNvSpPr/>
+            <p:nvPr/>
+          </p:nvSpPr>
+          <p:spPr>
+            <a:xfrm>
+              <a:off x="6952280" y="5642429"/>
+              <a:ext cx="68580" cy="68580"/>
+            </a:xfrm>
+            <a:prstGeom prst="ellipse">
+              <a:avLst/>
+            </a:prstGeom>
+            <a:solidFill>
+              <a:srgbClr val="EE0000">
+                <a:alpha val="100000"/>
+              </a:srgbClr>
+            </a:solidFill>
+          </p:spPr>
+          <p:txBody>
+            <a:bodyPr/>
+            <a:lstStyle/>
+            <a:p>
+              <a:endParaRPr/>
+            </a:p>
+          </p:txBody>
+        </p:sp>
+        <p:sp>
+          <p:nvSpPr>
+            <p:cNvPr id="134" name="pt134"/>
+            <p:cNvSpPr/>
+            <p:nvPr/>
+          </p:nvSpPr>
+          <p:spPr>
+            <a:xfrm>
+              <a:off x="7445686" y="4141614"/>
+              <a:ext cx="68580" cy="68580"/>
+            </a:xfrm>
+            <a:prstGeom prst="ellipse">
+              <a:avLst/>
+            </a:prstGeom>
+            <a:solidFill>
+              <a:srgbClr val="EE0000">
+                <a:alpha val="100000"/>
+              </a:srgbClr>
+            </a:solidFill>
+          </p:spPr>
+          <p:txBody>
+            <a:bodyPr/>
+            <a:lstStyle/>
+            <a:p>
+              <a:endParaRPr/>
+            </a:p>
+          </p:txBody>
+        </p:sp>
+        <p:sp>
+          <p:nvSpPr>
+            <p:cNvPr id="135" name="pt135"/>
+            <p:cNvSpPr/>
+            <p:nvPr/>
+          </p:nvSpPr>
+          <p:spPr>
+            <a:xfrm>
+              <a:off x="7939093" y="5769586"/>
+              <a:ext cx="68580" cy="68580"/>
+            </a:xfrm>
+            <a:prstGeom prst="ellipse">
+              <a:avLst/>
+            </a:prstGeom>
+            <a:solidFill>
+              <a:srgbClr val="EE0000">
+                <a:alpha val="100000"/>
+              </a:srgbClr>
+            </a:solidFill>
+          </p:spPr>
+          <p:txBody>
+            <a:bodyPr/>
+            <a:lstStyle/>
+            <a:p>
+              <a:endParaRPr/>
+            </a:p>
+          </p:txBody>
+        </p:sp>
+        <p:sp>
+          <p:nvSpPr>
+            <p:cNvPr id="136" name="pt136"/>
+            <p:cNvSpPr/>
+            <p:nvPr/>
+          </p:nvSpPr>
+          <p:spPr>
+            <a:xfrm>
+              <a:off x="8432499" y="3739169"/>
+              <a:ext cx="68580" cy="68580"/>
+            </a:xfrm>
+            <a:prstGeom prst="ellipse">
+              <a:avLst/>
+            </a:prstGeom>
+            <a:solidFill>
+              <a:srgbClr val="EE0000">
+                <a:alpha val="100000"/>
+              </a:srgbClr>
+            </a:solidFill>
+          </p:spPr>
+          <p:txBody>
+            <a:bodyPr/>
+            <a:lstStyle/>
+            <a:p>
+              <a:endParaRPr/>
+            </a:p>
+          </p:txBody>
+        </p:sp>
+        <p:sp>
+          <p:nvSpPr>
+            <p:cNvPr id="137" name="pt137"/>
+            <p:cNvSpPr/>
+            <p:nvPr/>
+          </p:nvSpPr>
+          <p:spPr>
+            <a:xfrm>
+              <a:off x="8925905" y="6234890"/>
+              <a:ext cx="68580" cy="68580"/>
+            </a:xfrm>
+            <a:prstGeom prst="ellipse">
+              <a:avLst/>
+            </a:prstGeom>
+            <a:solidFill>
+              <a:srgbClr val="EE0000">
+                <a:alpha val="100000"/>
+              </a:srgbClr>
+            </a:solidFill>
+          </p:spPr>
+          <p:txBody>
+            <a:bodyPr/>
+            <a:lstStyle/>
+            <a:p>
+              <a:endParaRPr/>
+            </a:p>
+          </p:txBody>
+        </p:sp>
+        <p:sp>
+          <p:nvSpPr>
+            <p:cNvPr id="138" name="pt138"/>
+            <p:cNvSpPr/>
+            <p:nvPr/>
+          </p:nvSpPr>
+          <p:spPr>
+            <a:xfrm>
+              <a:off x="9419311" y="5445166"/>
+              <a:ext cx="68580" cy="68580"/>
+            </a:xfrm>
+            <a:prstGeom prst="ellipse">
+              <a:avLst/>
+            </a:prstGeom>
+            <a:solidFill>
+              <a:srgbClr val="EE0000">
+                <a:alpha val="100000"/>
+              </a:srgbClr>
+            </a:solidFill>
+          </p:spPr>
+          <p:txBody>
+            <a:bodyPr/>
+            <a:lstStyle/>
+            <a:p>
+              <a:endParaRPr/>
+            </a:p>
+          </p:txBody>
+        </p:sp>
+        <p:sp>
+          <p:nvSpPr>
+            <p:cNvPr id="139" name="pt139"/>
+            <p:cNvSpPr/>
+            <p:nvPr/>
+          </p:nvSpPr>
+          <p:spPr>
+            <a:xfrm>
+              <a:off x="9912717" y="5422336"/>
+              <a:ext cx="68580" cy="68580"/>
+            </a:xfrm>
+            <a:prstGeom prst="ellipse">
+              <a:avLst/>
+            </a:prstGeom>
+            <a:solidFill>
+              <a:srgbClr val="EE0000">
+                <a:alpha val="100000"/>
+              </a:srgbClr>
+            </a:solidFill>
+          </p:spPr>
+          <p:txBody>
+            <a:bodyPr/>
+            <a:lstStyle/>
+            <a:p>
+              <a:endParaRPr/>
+            </a:p>
+          </p:txBody>
+        </p:sp>
+        <p:sp>
+          <p:nvSpPr>
+            <p:cNvPr id="140" name="pt140"/>
+            <p:cNvSpPr/>
+            <p:nvPr/>
+          </p:nvSpPr>
+          <p:spPr>
+            <a:xfrm>
+              <a:off x="10406123" y="4437479"/>
+              <a:ext cx="68580" cy="68580"/>
+            </a:xfrm>
+            <a:prstGeom prst="ellipse">
+              <a:avLst/>
+            </a:prstGeom>
+            <a:solidFill>
+              <a:srgbClr val="EE0000">
+                <a:alpha val="100000"/>
+              </a:srgbClr>
+            </a:solidFill>
+          </p:spPr>
+          <p:txBody>
+            <a:bodyPr/>
+            <a:lstStyle/>
+            <a:p>
+              <a:endParaRPr/>
+            </a:p>
+          </p:txBody>
+        </p:sp>
+        <p:sp>
+          <p:nvSpPr>
+            <p:cNvPr id="141" name="pt141"/>
+            <p:cNvSpPr/>
+            <p:nvPr/>
+          </p:nvSpPr>
+          <p:spPr>
+            <a:xfrm>
+              <a:off x="10899529" y="4400739"/>
+              <a:ext cx="68580" cy="68580"/>
+            </a:xfrm>
+            <a:prstGeom prst="ellipse">
+              <a:avLst/>
+            </a:prstGeom>
+            <a:solidFill>
+              <a:srgbClr val="EE0000">
+                <a:alpha val="100000"/>
+              </a:srgbClr>
+            </a:solidFill>
+          </p:spPr>
+          <p:txBody>
+            <a:bodyPr/>
+            <a:lstStyle/>
+            <a:p>
+              <a:endParaRPr/>
+            </a:p>
+          </p:txBody>
+        </p:sp>
+        <p:sp>
+          <p:nvSpPr>
+            <p:cNvPr id="142" name="pt142"/>
+            <p:cNvSpPr/>
+            <p:nvPr/>
+          </p:nvSpPr>
+          <p:spPr>
+            <a:xfrm>
+              <a:off x="11392936" y="4830890"/>
+              <a:ext cx="68580" cy="68580"/>
+            </a:xfrm>
+            <a:prstGeom prst="ellipse">
+              <a:avLst/>
+            </a:prstGeom>
+            <a:solidFill>
+              <a:srgbClr val="EE0000">
+                <a:alpha val="100000"/>
+              </a:srgbClr>
+            </a:solidFill>
+          </p:spPr>
+          <p:txBody>
+            <a:bodyPr/>
+            <a:lstStyle/>
+            <a:p>
+              <a:endParaRPr/>
+            </a:p>
+          </p:txBody>
+        </p:sp>
+        <p:sp>
+          <p:nvSpPr>
+            <p:cNvPr id="143" name="pt143"/>
+            <p:cNvSpPr/>
+            <p:nvPr/>
+          </p:nvSpPr>
+          <p:spPr>
+            <a:xfrm>
+              <a:off x="11886342" y="5667847"/>
+              <a:ext cx="68580" cy="68580"/>
+            </a:xfrm>
+            <a:prstGeom prst="ellipse">
+              <a:avLst/>
+            </a:prstGeom>
+            <a:solidFill>
+              <a:srgbClr val="EE0000">
+                <a:alpha val="100000"/>
+              </a:srgbClr>
+            </a:solidFill>
+          </p:spPr>
+          <p:txBody>
+            <a:bodyPr/>
+            <a:lstStyle/>
+            <a:p>
+              <a:endParaRPr/>
+            </a:p>
+          </p:txBody>
+        </p:sp>
+        <p:sp>
+          <p:nvSpPr>
+            <p:cNvPr id="144" name="pt144"/>
+            <p:cNvSpPr/>
+            <p:nvPr/>
+          </p:nvSpPr>
+          <p:spPr>
+            <a:xfrm>
+              <a:off x="12379748" y="5438019"/>
+              <a:ext cx="68580" cy="68580"/>
+            </a:xfrm>
+            <a:prstGeom prst="ellipse">
+              <a:avLst/>
+            </a:prstGeom>
+            <a:solidFill>
+              <a:srgbClr val="EE0000">
+                <a:alpha val="100000"/>
+              </a:srgbClr>
+            </a:solidFill>
+          </p:spPr>
+          <p:txBody>
+            <a:bodyPr/>
+            <a:lstStyle/>
+            <a:p>
+              <a:endParaRPr/>
+            </a:p>
+          </p:txBody>
+        </p:sp>
+        <p:sp>
+          <p:nvSpPr>
+            <p:cNvPr id="64" name="tx64"/>
+            <p:cNvSpPr/>
+            <p:nvPr/>
+          </p:nvSpPr>
+          <p:spPr>
+            <a:xfrm>
+              <a:off x="4022006" y="3325173"/>
+              <a:ext cx="7409346" cy="166885"/>
+            </a:xfrm>
+            <a:prstGeom prst="rect">
+              <a:avLst/>
+            </a:prstGeom>
+            <a:solidFill>
+              <a:schemeClr val="bg1"/>
+            </a:solidFill>
+          </p:spPr>
+          <p:txBody>
+            <a:bodyPr wrap="none" lIns="0" tIns="0" rIns="0" bIns="0" anchor="ctr" anchorCtr="1"/>
+            <a:lstStyle/>
+            <a:p>
+              <a:pPr marL="0" marR="0" indent="0" algn="l">
+                <a:lnSpc>
+                  <a:spcPts val="1439"/>
+                </a:lnSpc>
+                <a:spcBef>
+                  <a:spcPts val="0"/>
+                </a:spcBef>
+                <a:spcAft>
+                  <a:spcPts val="0"/>
+                </a:spcAft>
+              </a:pPr>
+              <a:r>
+                <a:rPr sz="1439" b="1" dirty="0">
+                  <a:solidFill>
+                    <a:srgbClr val="000000">
+                      <a:alpha val="100000"/>
+                    </a:srgbClr>
+                  </a:solidFill>
+                  <a:latin typeface="Arial"/>
+                  <a:cs typeface="Arial"/>
+                </a:rPr>
+                <a:t>Compare true coefficients (black) with estimate fitted with </a:t>
+              </a:r>
+              <a:r>
+                <a:rPr sz="1439" b="1" dirty="0" err="1">
+                  <a:solidFill>
+                    <a:srgbClr val="000000">
+                      <a:alpha val="100000"/>
+                    </a:srgbClr>
+                  </a:solidFill>
+                  <a:latin typeface="Arial"/>
+                  <a:cs typeface="Arial"/>
+                </a:rPr>
+                <a:t>glmnet</a:t>
+              </a:r>
+              <a:r>
+                <a:rPr sz="1439" b="1" dirty="0">
+                  <a:solidFill>
+                    <a:srgbClr val="000000">
+                      <a:alpha val="100000"/>
+                    </a:srgbClr>
+                  </a:solidFill>
+                  <a:latin typeface="Arial"/>
+                  <a:cs typeface="Arial"/>
+                </a:rPr>
+                <a:t> (red) or L0glm (green)</a:t>
+              </a:r>
             </a:p>
           </p:txBody>
         </p:sp>
